--- a/軟體驗證簡報.pptx
+++ b/軟體驗證簡報.pptx
@@ -10,13 +10,21 @@
     <p:sldId id="258" r:id="rId4"/>
     <p:sldId id="259" r:id="rId5"/>
     <p:sldId id="260" r:id="rId6"/>
-    <p:sldId id="261" r:id="rId7"/>
-    <p:sldId id="262" r:id="rId8"/>
-    <p:sldId id="263" r:id="rId9"/>
+    <p:sldId id="263" r:id="rId7"/>
+    <p:sldId id="269" r:id="rId8"/>
+    <p:sldId id="270" r:id="rId9"/>
     <p:sldId id="264" r:id="rId10"/>
-    <p:sldId id="265" r:id="rId11"/>
-    <p:sldId id="268" r:id="rId12"/>
-    <p:sldId id="267" r:id="rId13"/>
+    <p:sldId id="271" r:id="rId11"/>
+    <p:sldId id="272" r:id="rId12"/>
+    <p:sldId id="273" r:id="rId13"/>
+    <p:sldId id="265" r:id="rId14"/>
+    <p:sldId id="261" r:id="rId15"/>
+    <p:sldId id="274" r:id="rId16"/>
+    <p:sldId id="275" r:id="rId17"/>
+    <p:sldId id="276" r:id="rId18"/>
+    <p:sldId id="262" r:id="rId19"/>
+    <p:sldId id="277" r:id="rId20"/>
+    <p:sldId id="267" r:id="rId21"/>
   </p:sldIdLst>
   <p:sldSz cx="12192000" cy="6858000"/>
   <p:notesSz cx="6858000" cy="9144000"/>
@@ -270,7 +278,7 @@
           <a:p>
             <a:fld id="{A5B87481-28C5-0646-AAC2-EE8F2B8E46FE}" type="datetimeFigureOut">
               <a:rPr kumimoji="1" lang="zh-TW" altLang="en-US" smtClean="0"/>
-              <a:t>2024/6/6</a:t>
+              <a:t>2024/6/11</a:t>
             </a:fld>
             <a:endParaRPr kumimoji="1" lang="zh-TW" altLang="en-US"/>
           </a:p>
@@ -468,7 +476,7 @@
           <a:p>
             <a:fld id="{A5B87481-28C5-0646-AAC2-EE8F2B8E46FE}" type="datetimeFigureOut">
               <a:rPr kumimoji="1" lang="zh-TW" altLang="en-US" smtClean="0"/>
-              <a:t>2024/6/6</a:t>
+              <a:t>2024/6/11</a:t>
             </a:fld>
             <a:endParaRPr kumimoji="1" lang="zh-TW" altLang="en-US"/>
           </a:p>
@@ -676,7 +684,7 @@
           <a:p>
             <a:fld id="{A5B87481-28C5-0646-AAC2-EE8F2B8E46FE}" type="datetimeFigureOut">
               <a:rPr kumimoji="1" lang="zh-TW" altLang="en-US" smtClean="0"/>
-              <a:t>2024/6/6</a:t>
+              <a:t>2024/6/11</a:t>
             </a:fld>
             <a:endParaRPr kumimoji="1" lang="zh-TW" altLang="en-US"/>
           </a:p>
@@ -874,7 +882,7 @@
           <a:p>
             <a:fld id="{A5B87481-28C5-0646-AAC2-EE8F2B8E46FE}" type="datetimeFigureOut">
               <a:rPr kumimoji="1" lang="zh-TW" altLang="en-US" smtClean="0"/>
-              <a:t>2024/6/6</a:t>
+              <a:t>2024/6/11</a:t>
             </a:fld>
             <a:endParaRPr kumimoji="1" lang="zh-TW" altLang="en-US"/>
           </a:p>
@@ -1149,7 +1157,7 @@
           <a:p>
             <a:fld id="{A5B87481-28C5-0646-AAC2-EE8F2B8E46FE}" type="datetimeFigureOut">
               <a:rPr kumimoji="1" lang="zh-TW" altLang="en-US" smtClean="0"/>
-              <a:t>2024/6/6</a:t>
+              <a:t>2024/6/11</a:t>
             </a:fld>
             <a:endParaRPr kumimoji="1" lang="zh-TW" altLang="en-US"/>
           </a:p>
@@ -1414,7 +1422,7 @@
           <a:p>
             <a:fld id="{A5B87481-28C5-0646-AAC2-EE8F2B8E46FE}" type="datetimeFigureOut">
               <a:rPr kumimoji="1" lang="zh-TW" altLang="en-US" smtClean="0"/>
-              <a:t>2024/6/6</a:t>
+              <a:t>2024/6/11</a:t>
             </a:fld>
             <a:endParaRPr kumimoji="1" lang="zh-TW" altLang="en-US"/>
           </a:p>
@@ -1826,7 +1834,7 @@
           <a:p>
             <a:fld id="{A5B87481-28C5-0646-AAC2-EE8F2B8E46FE}" type="datetimeFigureOut">
               <a:rPr kumimoji="1" lang="zh-TW" altLang="en-US" smtClean="0"/>
-              <a:t>2024/6/6</a:t>
+              <a:t>2024/6/11</a:t>
             </a:fld>
             <a:endParaRPr kumimoji="1" lang="zh-TW" altLang="en-US"/>
           </a:p>
@@ -1967,7 +1975,7 @@
           <a:p>
             <a:fld id="{A5B87481-28C5-0646-AAC2-EE8F2B8E46FE}" type="datetimeFigureOut">
               <a:rPr kumimoji="1" lang="zh-TW" altLang="en-US" smtClean="0"/>
-              <a:t>2024/6/6</a:t>
+              <a:t>2024/6/11</a:t>
             </a:fld>
             <a:endParaRPr kumimoji="1" lang="zh-TW" altLang="en-US"/>
           </a:p>
@@ -2080,7 +2088,7 @@
           <a:p>
             <a:fld id="{A5B87481-28C5-0646-AAC2-EE8F2B8E46FE}" type="datetimeFigureOut">
               <a:rPr kumimoji="1" lang="zh-TW" altLang="en-US" smtClean="0"/>
-              <a:t>2024/6/6</a:t>
+              <a:t>2024/6/11</a:t>
             </a:fld>
             <a:endParaRPr kumimoji="1" lang="zh-TW" altLang="en-US"/>
           </a:p>
@@ -2391,7 +2399,7 @@
           <a:p>
             <a:fld id="{A5B87481-28C5-0646-AAC2-EE8F2B8E46FE}" type="datetimeFigureOut">
               <a:rPr kumimoji="1" lang="zh-TW" altLang="en-US" smtClean="0"/>
-              <a:t>2024/6/6</a:t>
+              <a:t>2024/6/11</a:t>
             </a:fld>
             <a:endParaRPr kumimoji="1" lang="zh-TW" altLang="en-US"/>
           </a:p>
@@ -2679,7 +2687,7 @@
           <a:p>
             <a:fld id="{A5B87481-28C5-0646-AAC2-EE8F2B8E46FE}" type="datetimeFigureOut">
               <a:rPr kumimoji="1" lang="zh-TW" altLang="en-US" smtClean="0"/>
-              <a:t>2024/6/6</a:t>
+              <a:t>2024/6/11</a:t>
             </a:fld>
             <a:endParaRPr kumimoji="1" lang="zh-TW" altLang="en-US"/>
           </a:p>
@@ -2920,7 +2928,7 @@
           <a:p>
             <a:fld id="{A5B87481-28C5-0646-AAC2-EE8F2B8E46FE}" type="datetimeFigureOut">
               <a:rPr kumimoji="1" lang="zh-TW" altLang="en-US" smtClean="0"/>
-              <a:t>2024/6/6</a:t>
+              <a:t>2024/6/11</a:t>
             </a:fld>
             <a:endParaRPr kumimoji="1" lang="zh-TW" altLang="en-US"/>
           </a:p>
@@ -3576,7 +3584,7 @@
                 <a:latin typeface="BiauKai" panose="02010601000101010101" pitchFamily="2" charset="-120"/>
                 <a:ea typeface="BiauKai" panose="02010601000101010101" pitchFamily="2" charset="-120"/>
               </a:rPr>
-              <a:t>戰鬥</a:t>
+              <a:t>攻擊狀態（軍隊）</a:t>
             </a:r>
           </a:p>
         </p:txBody>
@@ -3586,7 +3594,7 @@
           <p:cNvPr id="3" name="內容版面配置區 2">
             <a:extLst>
               <a:ext uri="{FF2B5EF4-FFF2-40B4-BE49-F238E27FC236}">
-                <a16:creationId xmlns:a16="http://schemas.microsoft.com/office/drawing/2014/main" id="{3A572E81-E966-5F3E-E20B-E35F0376C541}"/>
+                <a16:creationId xmlns:a16="http://schemas.microsoft.com/office/drawing/2014/main" id="{07A774AC-1E5E-E501-02C4-4468CF219091}"/>
               </a:ext>
             </a:extLst>
           </p:cNvPr>
@@ -3628,7 +3636,21 @@
                 <a:latin typeface="BiauKai" panose="02010601000101010101" pitchFamily="2" charset="-120"/>
                 <a:ea typeface="BiauKai" panose="02010601000101010101" pitchFamily="2" charset="-120"/>
               </a:rPr>
-              <a:t>：玩家可加入戰鬥｜預期結果：成功</a:t>
+              <a:t>：當前為攻擊狀態，</a:t>
+            </a:r>
+            <a:r>
+              <a:rPr kumimoji="1" lang="zh-TW" altLang="en-US" sz="2200" b="1" dirty="0">
+                <a:latin typeface="BiauKai" panose="02010601000101010101" pitchFamily="2" charset="-120"/>
+                <a:ea typeface="BiauKai" panose="02010601000101010101" pitchFamily="2" charset="-120"/>
+              </a:rPr>
+              <a:t>不可</a:t>
+            </a:r>
+            <a:r>
+              <a:rPr kumimoji="1" lang="zh-TW" altLang="en-US" sz="2200" dirty="0">
+                <a:latin typeface="BiauKai" panose="02010601000101010101" pitchFamily="2" charset="-120"/>
+                <a:ea typeface="BiauKai" panose="02010601000101010101" pitchFamily="2" charset="-120"/>
+              </a:rPr>
+              <a:t>切換軍隊為攻擊狀態｜預期結果：正確</a:t>
             </a:r>
             <a:endParaRPr kumimoji="1" lang="en-US" altLang="zh-TW" sz="2200" dirty="0">
               <a:latin typeface="BiauKai" panose="02010601000101010101" pitchFamily="2" charset="-120"/>
@@ -3655,35 +3677,21 @@
                 <a:latin typeface="BiauKai" panose="02010601000101010101" pitchFamily="2" charset="-120"/>
                 <a:ea typeface="BiauKai" panose="02010601000101010101" pitchFamily="2" charset="-120"/>
               </a:rPr>
-              <a:t>：玩家</a:t>
-            </a:r>
-            <a:r>
-              <a:rPr kumimoji="1" lang="en-US" altLang="zh-TW" sz="2200" dirty="0">
-                <a:latin typeface="BiauKai" panose="02010601000101010101" pitchFamily="2" charset="-120"/>
-                <a:ea typeface="BiauKai" panose="02010601000101010101" pitchFamily="2" charset="-120"/>
-              </a:rPr>
-              <a:t>A</a:t>
-            </a:r>
-            <a:r>
-              <a:rPr kumimoji="1" lang="zh-TW" altLang="en-US" sz="2200" dirty="0">
-                <a:latin typeface="BiauKai" panose="02010601000101010101" pitchFamily="2" charset="-120"/>
-                <a:ea typeface="BiauKai" panose="02010601000101010101" pitchFamily="2" charset="-120"/>
-              </a:rPr>
-              <a:t>發送攻擊通知時，不會攻擊到玩家</a:t>
-            </a:r>
-            <a:r>
-              <a:rPr kumimoji="1" lang="en-US" altLang="zh-TW" sz="2200" dirty="0">
-                <a:latin typeface="BiauKai" panose="02010601000101010101" pitchFamily="2" charset="-120"/>
-                <a:ea typeface="BiauKai" panose="02010601000101010101" pitchFamily="2" charset="-120"/>
-              </a:rPr>
-              <a:t>A</a:t>
-            </a:r>
-            <a:r>
-              <a:rPr kumimoji="1" lang="zh-TW" altLang="en-US" sz="2200" dirty="0">
-                <a:latin typeface="BiauKai" panose="02010601000101010101" pitchFamily="2" charset="-120"/>
-                <a:ea typeface="BiauKai" panose="02010601000101010101" pitchFamily="2" charset="-120"/>
-              </a:rPr>
-              <a:t>，會攻擊到其他玩家｜預期結果：成功</a:t>
+              <a:t>：當前為攻擊狀態，</a:t>
+            </a:r>
+            <a:r>
+              <a:rPr kumimoji="1" lang="zh-TW" altLang="en-US" sz="2200" b="1" dirty="0">
+                <a:latin typeface="BiauKai" panose="02010601000101010101" pitchFamily="2" charset="-120"/>
+                <a:ea typeface="BiauKai" panose="02010601000101010101" pitchFamily="2" charset="-120"/>
+              </a:rPr>
+              <a:t>可以</a:t>
+            </a:r>
+            <a:r>
+              <a:rPr kumimoji="1" lang="zh-TW" altLang="en-US" sz="2200" dirty="0">
+                <a:latin typeface="BiauKai" panose="02010601000101010101" pitchFamily="2" charset="-120"/>
+                <a:ea typeface="BiauKai" panose="02010601000101010101" pitchFamily="2" charset="-120"/>
+              </a:rPr>
+              <a:t>切換軍隊為防守狀態｜預期結果：正確</a:t>
             </a:r>
             <a:endParaRPr kumimoji="1" lang="en-US" altLang="zh-TW" sz="2200" dirty="0">
               <a:latin typeface="BiauKai" panose="02010601000101010101" pitchFamily="2" charset="-120"/>
@@ -3710,43 +3718,39 @@
                 <a:latin typeface="BiauKai" panose="02010601000101010101" pitchFamily="2" charset="-120"/>
                 <a:ea typeface="BiauKai" panose="02010601000101010101" pitchFamily="2" charset="-120"/>
               </a:rPr>
-              <a:t>：玩家</a:t>
-            </a:r>
-            <a:r>
-              <a:rPr kumimoji="1" lang="en-US" altLang="zh-TW" sz="2200" dirty="0">
-                <a:latin typeface="BiauKai" panose="02010601000101010101" pitchFamily="2" charset="-120"/>
-                <a:ea typeface="BiauKai" panose="02010601000101010101" pitchFamily="2" charset="-120"/>
-              </a:rPr>
-              <a:t>A</a:t>
-            </a:r>
-            <a:r>
-              <a:rPr kumimoji="1" lang="zh-TW" altLang="en-US" sz="2200" dirty="0">
-                <a:latin typeface="BiauKai" panose="02010601000101010101" pitchFamily="2" charset="-120"/>
-                <a:ea typeface="BiauKai" panose="02010601000101010101" pitchFamily="2" charset="-120"/>
-              </a:rPr>
-              <a:t>發送退出戰鬥通知時，不會通知到玩家</a:t>
-            </a:r>
-            <a:r>
-              <a:rPr kumimoji="1" lang="en-US" altLang="zh-TW" sz="2200" dirty="0">
-                <a:latin typeface="BiauKai" panose="02010601000101010101" pitchFamily="2" charset="-120"/>
-                <a:ea typeface="BiauKai" panose="02010601000101010101" pitchFamily="2" charset="-120"/>
-              </a:rPr>
-              <a:t>A</a:t>
-            </a:r>
-            <a:r>
-              <a:rPr kumimoji="1" lang="zh-TW" altLang="en-US" sz="2200" dirty="0">
-                <a:latin typeface="BiauKai" panose="02010601000101010101" pitchFamily="2" charset="-120"/>
-                <a:ea typeface="BiauKai" panose="02010601000101010101" pitchFamily="2" charset="-120"/>
-              </a:rPr>
-              <a:t>，會通知到其他玩家｜預期結果：成功</a:t>
-            </a:r>
+              <a:t>：當前為攻擊狀態，</a:t>
+            </a:r>
+            <a:r>
+              <a:rPr kumimoji="1" lang="zh-TW" altLang="en-US" sz="2200" b="1" dirty="0">
+                <a:latin typeface="BiauKai" panose="02010601000101010101" pitchFamily="2" charset="-120"/>
+                <a:ea typeface="BiauKai" panose="02010601000101010101" pitchFamily="2" charset="-120"/>
+              </a:rPr>
+              <a:t>可以</a:t>
+            </a:r>
+            <a:r>
+              <a:rPr kumimoji="1" lang="zh-TW" altLang="en-US" sz="2200" dirty="0">
+                <a:latin typeface="BiauKai" panose="02010601000101010101" pitchFamily="2" charset="-120"/>
+                <a:ea typeface="BiauKai" panose="02010601000101010101" pitchFamily="2" charset="-120"/>
+              </a:rPr>
+              <a:t>切換軍隊為撤退狀態｜預期結果：正確</a:t>
+            </a:r>
+            <a:endParaRPr kumimoji="1" lang="en-US" altLang="zh-TW" sz="2200" dirty="0">
+              <a:latin typeface="BiauKai" panose="02010601000101010101" pitchFamily="2" charset="-120"/>
+              <a:ea typeface="BiauKai" panose="02010601000101010101" pitchFamily="2" charset="-120"/>
+            </a:endParaRPr>
+          </a:p>
+          <a:p>
+            <a:endParaRPr kumimoji="1" lang="en-US" altLang="zh-TW" sz="2200" dirty="0">
+              <a:latin typeface="BiauKai" panose="02010601000101010101" pitchFamily="2" charset="-120"/>
+              <a:ea typeface="BiauKai" panose="02010601000101010101" pitchFamily="2" charset="-120"/>
+            </a:endParaRPr>
           </a:p>
         </p:txBody>
       </p:sp>
     </p:spTree>
     <p:extLst>
       <p:ext uri="{BB962C8B-B14F-4D97-AF65-F5344CB8AC3E}">
-        <p14:creationId xmlns:p14="http://schemas.microsoft.com/office/powerpoint/2010/main" val="768528904"/>
+        <p14:creationId xmlns:p14="http://schemas.microsoft.com/office/powerpoint/2010/main" val="2913005304"/>
       </p:ext>
     </p:extLst>
   </p:cSld>
@@ -3799,45 +3803,187 @@
                 <a:latin typeface="BiauKai" panose="02010601000101010101" pitchFamily="2" charset="-120"/>
                 <a:ea typeface="BiauKai" panose="02010601000101010101" pitchFamily="2" charset="-120"/>
               </a:rPr>
-              <a:t>測試結果</a:t>
-            </a:r>
-          </a:p>
-        </p:txBody>
-      </p:sp>
-      <p:pic>
-        <p:nvPicPr>
-          <p:cNvPr id="5" name="圖片 4">
-            <a:extLst>
-              <a:ext uri="{FF2B5EF4-FFF2-40B4-BE49-F238E27FC236}">
-                <a16:creationId xmlns:a16="http://schemas.microsoft.com/office/drawing/2014/main" id="{6B4F377B-F63A-9575-F6F4-D2F978E3FA37}"/>
-              </a:ext>
-            </a:extLst>
-          </p:cNvPr>
-          <p:cNvPicPr>
-            <a:picLocks noChangeAspect="1"/>
-          </p:cNvPicPr>
-          <p:nvPr/>
-        </p:nvPicPr>
-        <p:blipFill>
-          <a:blip r:embed="rId2"/>
-          <a:stretch>
-            <a:fillRect/>
-          </a:stretch>
-        </p:blipFill>
+              <a:t>測試對象與案例 </a:t>
+            </a:r>
+            <a:r>
+              <a:rPr kumimoji="1" lang="en-US" altLang="zh-TW" dirty="0">
+                <a:latin typeface="BiauKai" panose="02010601000101010101" pitchFamily="2" charset="-120"/>
+                <a:ea typeface="BiauKai" panose="02010601000101010101" pitchFamily="2" charset="-120"/>
+              </a:rPr>
+              <a:t>– </a:t>
+            </a:r>
+            <a:r>
+              <a:rPr kumimoji="1" lang="zh-TW" altLang="en-US" dirty="0">
+                <a:latin typeface="BiauKai" panose="02010601000101010101" pitchFamily="2" charset="-120"/>
+                <a:ea typeface="BiauKai" panose="02010601000101010101" pitchFamily="2" charset="-120"/>
+              </a:rPr>
+              <a:t>防守狀態（軍隊）</a:t>
+            </a:r>
+          </a:p>
+        </p:txBody>
+      </p:sp>
+      <p:sp>
+        <p:nvSpPr>
+          <p:cNvPr id="3" name="內容版面配置區 2">
+            <a:extLst>
+              <a:ext uri="{FF2B5EF4-FFF2-40B4-BE49-F238E27FC236}">
+                <a16:creationId xmlns:a16="http://schemas.microsoft.com/office/drawing/2014/main" id="{07A774AC-1E5E-E501-02C4-4468CF219091}"/>
+              </a:ext>
+            </a:extLst>
+          </p:cNvPr>
+          <p:cNvSpPr>
+            <a:spLocks noGrp="1"/>
+          </p:cNvSpPr>
+          <p:nvPr>
+            <p:ph idx="1"/>
+          </p:nvPr>
+        </p:nvSpPr>
         <p:spPr>
           <a:xfrm>
-            <a:off x="3839410" y="2018631"/>
-            <a:ext cx="4513179" cy="2820737"/>
+            <a:off x="838200" y="1825625"/>
+            <a:ext cx="10515600" cy="4351338"/>
           </a:xfrm>
-          <a:prstGeom prst="rect">
-            <a:avLst/>
-          </a:prstGeom>
         </p:spPr>
-      </p:pic>
+        <p:txBody>
+          <a:bodyPr>
+            <a:normAutofit/>
+          </a:bodyPr>
+          <a:lstStyle/>
+          <a:p>
+            <a:r>
+              <a:rPr kumimoji="1" lang="zh-TW" altLang="en-US" sz="2200" dirty="0">
+                <a:latin typeface="BiauKai" panose="02010601000101010101" pitchFamily="2" charset="-120"/>
+                <a:ea typeface="BiauKai" panose="02010601000101010101" pitchFamily="2" charset="-120"/>
+              </a:rPr>
+              <a:t>案例</a:t>
+            </a:r>
+            <a:r>
+              <a:rPr kumimoji="1" lang="en-US" altLang="zh-TW" sz="2200" dirty="0">
+                <a:latin typeface="BiauKai" panose="02010601000101010101" pitchFamily="2" charset="-120"/>
+                <a:ea typeface="BiauKai" panose="02010601000101010101" pitchFamily="2" charset="-120"/>
+              </a:rPr>
+              <a:t>1</a:t>
+            </a:r>
+            <a:r>
+              <a:rPr kumimoji="1" lang="zh-TW" altLang="en-US" sz="2200" dirty="0">
+                <a:latin typeface="BiauKai" panose="02010601000101010101" pitchFamily="2" charset="-120"/>
+                <a:ea typeface="BiauKai" panose="02010601000101010101" pitchFamily="2" charset="-120"/>
+              </a:rPr>
+              <a:t>：當前為防守狀態，</a:t>
+            </a:r>
+            <a:r>
+              <a:rPr kumimoji="1" lang="zh-TW" altLang="en-US" sz="2200" b="1" dirty="0">
+                <a:latin typeface="BiauKai" panose="02010601000101010101" pitchFamily="2" charset="-120"/>
+                <a:ea typeface="BiauKai" panose="02010601000101010101" pitchFamily="2" charset="-120"/>
+              </a:rPr>
+              <a:t>可以</a:t>
+            </a:r>
+            <a:r>
+              <a:rPr kumimoji="1" lang="zh-TW" altLang="en-US" sz="2200" dirty="0">
+                <a:latin typeface="BiauKai" panose="02010601000101010101" pitchFamily="2" charset="-120"/>
+                <a:ea typeface="BiauKai" panose="02010601000101010101" pitchFamily="2" charset="-120"/>
+              </a:rPr>
+              <a:t>切換軍隊為攻擊狀態｜預期結果：正確</a:t>
+            </a:r>
+            <a:endParaRPr kumimoji="1" lang="en-US" altLang="zh-TW" sz="2200" dirty="0">
+              <a:latin typeface="BiauKai" panose="02010601000101010101" pitchFamily="2" charset="-120"/>
+              <a:ea typeface="BiauKai" panose="02010601000101010101" pitchFamily="2" charset="-120"/>
+            </a:endParaRPr>
+          </a:p>
+          <a:p>
+            <a:r>
+              <a:rPr kumimoji="1" lang="zh-TW" altLang="en-US" sz="2200" dirty="0">
+                <a:latin typeface="BiauKai" panose="02010601000101010101" pitchFamily="2" charset="-120"/>
+                <a:ea typeface="BiauKai" panose="02010601000101010101" pitchFamily="2" charset="-120"/>
+              </a:rPr>
+              <a:t>案例</a:t>
+            </a:r>
+            <a:r>
+              <a:rPr kumimoji="1" lang="en-US" altLang="zh-TW" sz="2200" dirty="0">
+                <a:latin typeface="BiauKai" panose="02010601000101010101" pitchFamily="2" charset="-120"/>
+                <a:ea typeface="BiauKai" panose="02010601000101010101" pitchFamily="2" charset="-120"/>
+              </a:rPr>
+              <a:t>2</a:t>
+            </a:r>
+            <a:r>
+              <a:rPr kumimoji="1" lang="zh-TW" altLang="en-US" sz="2200" dirty="0">
+                <a:latin typeface="BiauKai" panose="02010601000101010101" pitchFamily="2" charset="-120"/>
+                <a:ea typeface="BiauKai" panose="02010601000101010101" pitchFamily="2" charset="-120"/>
+              </a:rPr>
+              <a:t>：當前為防守狀態，</a:t>
+            </a:r>
+            <a:r>
+              <a:rPr kumimoji="1" lang="zh-TW" altLang="en-US" sz="2200" b="1" dirty="0">
+                <a:latin typeface="BiauKai" panose="02010601000101010101" pitchFamily="2" charset="-120"/>
+                <a:ea typeface="BiauKai" panose="02010601000101010101" pitchFamily="2" charset="-120"/>
+              </a:rPr>
+              <a:t>不可</a:t>
+            </a:r>
+            <a:r>
+              <a:rPr kumimoji="1" lang="zh-TW" altLang="en-US" sz="2200" dirty="0">
+                <a:latin typeface="BiauKai" panose="02010601000101010101" pitchFamily="2" charset="-120"/>
+                <a:ea typeface="BiauKai" panose="02010601000101010101" pitchFamily="2" charset="-120"/>
+              </a:rPr>
+              <a:t>切換軍隊為防守狀態｜預期結果：正確</a:t>
+            </a:r>
+            <a:endParaRPr kumimoji="1" lang="en-US" altLang="zh-TW" sz="2200" dirty="0">
+              <a:latin typeface="BiauKai" panose="02010601000101010101" pitchFamily="2" charset="-120"/>
+              <a:ea typeface="BiauKai" panose="02010601000101010101" pitchFamily="2" charset="-120"/>
+            </a:endParaRPr>
+          </a:p>
+          <a:p>
+            <a:r>
+              <a:rPr kumimoji="1" lang="zh-TW" altLang="en-US" sz="2200" dirty="0">
+                <a:latin typeface="BiauKai" panose="02010601000101010101" pitchFamily="2" charset="-120"/>
+                <a:ea typeface="BiauKai" panose="02010601000101010101" pitchFamily="2" charset="-120"/>
+              </a:rPr>
+              <a:t>案例</a:t>
+            </a:r>
+            <a:r>
+              <a:rPr kumimoji="1" lang="en-US" altLang="zh-TW" sz="2200" dirty="0">
+                <a:latin typeface="BiauKai" panose="02010601000101010101" pitchFamily="2" charset="-120"/>
+                <a:ea typeface="BiauKai" panose="02010601000101010101" pitchFamily="2" charset="-120"/>
+              </a:rPr>
+              <a:t>3</a:t>
+            </a:r>
+            <a:r>
+              <a:rPr kumimoji="1" lang="zh-TW" altLang="en-US" sz="2200" dirty="0">
+                <a:latin typeface="BiauKai" panose="02010601000101010101" pitchFamily="2" charset="-120"/>
+                <a:ea typeface="BiauKai" panose="02010601000101010101" pitchFamily="2" charset="-120"/>
+              </a:rPr>
+              <a:t>：當前為防守狀態，</a:t>
+            </a:r>
+            <a:r>
+              <a:rPr kumimoji="1" lang="zh-TW" altLang="en-US" sz="2200" b="1" dirty="0">
+                <a:latin typeface="BiauKai" panose="02010601000101010101" pitchFamily="2" charset="-120"/>
+                <a:ea typeface="BiauKai" panose="02010601000101010101" pitchFamily="2" charset="-120"/>
+              </a:rPr>
+              <a:t>可以</a:t>
+            </a:r>
+            <a:r>
+              <a:rPr kumimoji="1" lang="zh-TW" altLang="en-US" sz="2200" dirty="0">
+                <a:latin typeface="BiauKai" panose="02010601000101010101" pitchFamily="2" charset="-120"/>
+                <a:ea typeface="BiauKai" panose="02010601000101010101" pitchFamily="2" charset="-120"/>
+              </a:rPr>
+              <a:t>切換軍隊為撤退狀態｜預期結果：正確</a:t>
+            </a:r>
+            <a:endParaRPr kumimoji="1" lang="en-US" altLang="zh-TW" sz="2200" dirty="0">
+              <a:latin typeface="BiauKai" panose="02010601000101010101" pitchFamily="2" charset="-120"/>
+              <a:ea typeface="BiauKai" panose="02010601000101010101" pitchFamily="2" charset="-120"/>
+            </a:endParaRPr>
+          </a:p>
+          <a:p>
+            <a:endParaRPr kumimoji="1" lang="en-US" altLang="zh-TW" sz="2200" dirty="0">
+              <a:latin typeface="BiauKai" panose="02010601000101010101" pitchFamily="2" charset="-120"/>
+              <a:ea typeface="BiauKai" panose="02010601000101010101" pitchFamily="2" charset="-120"/>
+            </a:endParaRPr>
+          </a:p>
+        </p:txBody>
+      </p:sp>
     </p:spTree>
     <p:extLst>
       <p:ext uri="{BB962C8B-B14F-4D97-AF65-F5344CB8AC3E}">
-        <p14:creationId xmlns:p14="http://schemas.microsoft.com/office/powerpoint/2010/main" val="1493793775"/>
+        <p14:creationId xmlns:p14="http://schemas.microsoft.com/office/powerpoint/2010/main" val="3181609507"/>
       </p:ext>
     </p:extLst>
   </p:cSld>
@@ -3866,47 +4012,1523 @@
       </p:grpSpPr>
       <p:sp>
         <p:nvSpPr>
-          <p:cNvPr id="2" name="文字方塊 1">
-            <a:extLst>
-              <a:ext uri="{FF2B5EF4-FFF2-40B4-BE49-F238E27FC236}">
-                <a16:creationId xmlns:a16="http://schemas.microsoft.com/office/drawing/2014/main" id="{6EFA75AB-177E-8C2C-D170-794374406E89}"/>
-              </a:ext>
-            </a:extLst>
-          </p:cNvPr>
-          <p:cNvSpPr txBox="1"/>
-          <p:nvPr/>
+          <p:cNvPr id="2" name="標題 1">
+            <a:extLst>
+              <a:ext uri="{FF2B5EF4-FFF2-40B4-BE49-F238E27FC236}">
+                <a16:creationId xmlns:a16="http://schemas.microsoft.com/office/drawing/2014/main" id="{B145690C-84AF-71B5-2D89-C5F6F89633BF}"/>
+              </a:ext>
+            </a:extLst>
+          </p:cNvPr>
+          <p:cNvSpPr>
+            <a:spLocks noGrp="1"/>
+          </p:cNvSpPr>
+          <p:nvPr>
+            <p:ph type="title"/>
+          </p:nvPr>
+        </p:nvSpPr>
+        <p:spPr/>
+        <p:txBody>
+          <a:bodyPr/>
+          <a:lstStyle/>
+          <a:p>
+            <a:r>
+              <a:rPr kumimoji="1" lang="zh-TW" altLang="en-US" dirty="0">
+                <a:latin typeface="BiauKai" panose="02010601000101010101" pitchFamily="2" charset="-120"/>
+                <a:ea typeface="BiauKai" panose="02010601000101010101" pitchFamily="2" charset="-120"/>
+              </a:rPr>
+              <a:t>測試對象與案例 </a:t>
+            </a:r>
+            <a:r>
+              <a:rPr kumimoji="1" lang="en-US" altLang="zh-TW" dirty="0">
+                <a:latin typeface="BiauKai" panose="02010601000101010101" pitchFamily="2" charset="-120"/>
+                <a:ea typeface="BiauKai" panose="02010601000101010101" pitchFamily="2" charset="-120"/>
+              </a:rPr>
+              <a:t>– </a:t>
+            </a:r>
+            <a:r>
+              <a:rPr kumimoji="1" lang="zh-TW" altLang="en-US" dirty="0">
+                <a:latin typeface="BiauKai" panose="02010601000101010101" pitchFamily="2" charset="-120"/>
+                <a:ea typeface="BiauKai" panose="02010601000101010101" pitchFamily="2" charset="-120"/>
+              </a:rPr>
+              <a:t>撤退狀態（軍隊）</a:t>
+            </a:r>
+          </a:p>
+        </p:txBody>
+      </p:sp>
+      <p:sp>
+        <p:nvSpPr>
+          <p:cNvPr id="3" name="內容版面配置區 2">
+            <a:extLst>
+              <a:ext uri="{FF2B5EF4-FFF2-40B4-BE49-F238E27FC236}">
+                <a16:creationId xmlns:a16="http://schemas.microsoft.com/office/drawing/2014/main" id="{07A774AC-1E5E-E501-02C4-4468CF219091}"/>
+              </a:ext>
+            </a:extLst>
+          </p:cNvPr>
+          <p:cNvSpPr>
+            <a:spLocks noGrp="1"/>
+          </p:cNvSpPr>
+          <p:nvPr>
+            <p:ph idx="1"/>
+          </p:nvPr>
         </p:nvSpPr>
         <p:spPr>
           <a:xfrm>
-            <a:off x="3849234" y="3013501"/>
-            <a:ext cx="4493538" cy="830997"/>
+            <a:off x="838200" y="1825625"/>
+            <a:ext cx="10515600" cy="4351338"/>
+          </a:xfrm>
+        </p:spPr>
+        <p:txBody>
+          <a:bodyPr>
+            <a:normAutofit/>
+          </a:bodyPr>
+          <a:lstStyle/>
+          <a:p>
+            <a:r>
+              <a:rPr kumimoji="1" lang="zh-TW" altLang="en-US" sz="2200" dirty="0">
+                <a:latin typeface="BiauKai" panose="02010601000101010101" pitchFamily="2" charset="-120"/>
+                <a:ea typeface="BiauKai" panose="02010601000101010101" pitchFamily="2" charset="-120"/>
+              </a:rPr>
+              <a:t>案例</a:t>
+            </a:r>
+            <a:r>
+              <a:rPr kumimoji="1" lang="en-US" altLang="zh-TW" sz="2200" dirty="0">
+                <a:latin typeface="BiauKai" panose="02010601000101010101" pitchFamily="2" charset="-120"/>
+                <a:ea typeface="BiauKai" panose="02010601000101010101" pitchFamily="2" charset="-120"/>
+              </a:rPr>
+              <a:t>1</a:t>
+            </a:r>
+            <a:r>
+              <a:rPr kumimoji="1" lang="zh-TW" altLang="en-US" sz="2200" dirty="0">
+                <a:latin typeface="BiauKai" panose="02010601000101010101" pitchFamily="2" charset="-120"/>
+                <a:ea typeface="BiauKai" panose="02010601000101010101" pitchFamily="2" charset="-120"/>
+              </a:rPr>
+              <a:t>：當前為撤退狀態，</a:t>
+            </a:r>
+            <a:r>
+              <a:rPr kumimoji="1" lang="zh-TW" altLang="en-US" sz="2200" b="1" dirty="0">
+                <a:latin typeface="BiauKai" panose="02010601000101010101" pitchFamily="2" charset="-120"/>
+                <a:ea typeface="BiauKai" panose="02010601000101010101" pitchFamily="2" charset="-120"/>
+              </a:rPr>
+              <a:t>可以</a:t>
+            </a:r>
+            <a:r>
+              <a:rPr kumimoji="1" lang="zh-TW" altLang="en-US" sz="2200" dirty="0">
+                <a:latin typeface="BiauKai" panose="02010601000101010101" pitchFamily="2" charset="-120"/>
+                <a:ea typeface="BiauKai" panose="02010601000101010101" pitchFamily="2" charset="-120"/>
+              </a:rPr>
+              <a:t>切換軍隊為攻擊狀態｜預期結果：正確</a:t>
+            </a:r>
+            <a:endParaRPr kumimoji="1" lang="en-US" altLang="zh-TW" sz="2200" dirty="0">
+              <a:latin typeface="BiauKai" panose="02010601000101010101" pitchFamily="2" charset="-120"/>
+              <a:ea typeface="BiauKai" panose="02010601000101010101" pitchFamily="2" charset="-120"/>
+            </a:endParaRPr>
+          </a:p>
+          <a:p>
+            <a:r>
+              <a:rPr kumimoji="1" lang="zh-TW" altLang="en-US" sz="2200" dirty="0">
+                <a:latin typeface="BiauKai" panose="02010601000101010101" pitchFamily="2" charset="-120"/>
+                <a:ea typeface="BiauKai" panose="02010601000101010101" pitchFamily="2" charset="-120"/>
+              </a:rPr>
+              <a:t>案例</a:t>
+            </a:r>
+            <a:r>
+              <a:rPr kumimoji="1" lang="en-US" altLang="zh-TW" sz="2200" dirty="0">
+                <a:latin typeface="BiauKai" panose="02010601000101010101" pitchFamily="2" charset="-120"/>
+                <a:ea typeface="BiauKai" panose="02010601000101010101" pitchFamily="2" charset="-120"/>
+              </a:rPr>
+              <a:t>2</a:t>
+            </a:r>
+            <a:r>
+              <a:rPr kumimoji="1" lang="zh-TW" altLang="en-US" sz="2200" dirty="0">
+                <a:latin typeface="BiauKai" panose="02010601000101010101" pitchFamily="2" charset="-120"/>
+                <a:ea typeface="BiauKai" panose="02010601000101010101" pitchFamily="2" charset="-120"/>
+              </a:rPr>
+              <a:t>：當前為撤退狀態，</a:t>
+            </a:r>
+            <a:r>
+              <a:rPr kumimoji="1" lang="zh-TW" altLang="en-US" sz="2200" b="1" dirty="0">
+                <a:latin typeface="BiauKai" panose="02010601000101010101" pitchFamily="2" charset="-120"/>
+                <a:ea typeface="BiauKai" panose="02010601000101010101" pitchFamily="2" charset="-120"/>
+              </a:rPr>
+              <a:t>可以</a:t>
+            </a:r>
+            <a:r>
+              <a:rPr kumimoji="1" lang="zh-TW" altLang="en-US" sz="2200" dirty="0">
+                <a:latin typeface="BiauKai" panose="02010601000101010101" pitchFamily="2" charset="-120"/>
+                <a:ea typeface="BiauKai" panose="02010601000101010101" pitchFamily="2" charset="-120"/>
+              </a:rPr>
+              <a:t>切換軍隊為防守狀態｜預期結果：正確</a:t>
+            </a:r>
+            <a:endParaRPr kumimoji="1" lang="en-US" altLang="zh-TW" sz="2200" dirty="0">
+              <a:latin typeface="BiauKai" panose="02010601000101010101" pitchFamily="2" charset="-120"/>
+              <a:ea typeface="BiauKai" panose="02010601000101010101" pitchFamily="2" charset="-120"/>
+            </a:endParaRPr>
+          </a:p>
+          <a:p>
+            <a:r>
+              <a:rPr kumimoji="1" lang="zh-TW" altLang="en-US" sz="2200" dirty="0">
+                <a:latin typeface="BiauKai" panose="02010601000101010101" pitchFamily="2" charset="-120"/>
+                <a:ea typeface="BiauKai" panose="02010601000101010101" pitchFamily="2" charset="-120"/>
+              </a:rPr>
+              <a:t>案例</a:t>
+            </a:r>
+            <a:r>
+              <a:rPr kumimoji="1" lang="en-US" altLang="zh-TW" sz="2200" dirty="0">
+                <a:latin typeface="BiauKai" panose="02010601000101010101" pitchFamily="2" charset="-120"/>
+                <a:ea typeface="BiauKai" panose="02010601000101010101" pitchFamily="2" charset="-120"/>
+              </a:rPr>
+              <a:t>3</a:t>
+            </a:r>
+            <a:r>
+              <a:rPr kumimoji="1" lang="zh-TW" altLang="en-US" sz="2200" dirty="0">
+                <a:latin typeface="BiauKai" panose="02010601000101010101" pitchFamily="2" charset="-120"/>
+                <a:ea typeface="BiauKai" panose="02010601000101010101" pitchFamily="2" charset="-120"/>
+              </a:rPr>
+              <a:t>：當前為撤退狀態，</a:t>
+            </a:r>
+            <a:r>
+              <a:rPr kumimoji="1" lang="zh-TW" altLang="en-US" sz="2200" b="1" dirty="0">
+                <a:latin typeface="BiauKai" panose="02010601000101010101" pitchFamily="2" charset="-120"/>
+                <a:ea typeface="BiauKai" panose="02010601000101010101" pitchFamily="2" charset="-120"/>
+              </a:rPr>
+              <a:t>不可</a:t>
+            </a:r>
+            <a:r>
+              <a:rPr kumimoji="1" lang="zh-TW" altLang="en-US" sz="2200" dirty="0">
+                <a:latin typeface="BiauKai" panose="02010601000101010101" pitchFamily="2" charset="-120"/>
+                <a:ea typeface="BiauKai" panose="02010601000101010101" pitchFamily="2" charset="-120"/>
+              </a:rPr>
+              <a:t>切換軍隊為撤退狀態｜預期結果：正確</a:t>
+            </a:r>
+            <a:endParaRPr kumimoji="1" lang="en-US" altLang="zh-TW" sz="2200" dirty="0">
+              <a:latin typeface="BiauKai" panose="02010601000101010101" pitchFamily="2" charset="-120"/>
+              <a:ea typeface="BiauKai" panose="02010601000101010101" pitchFamily="2" charset="-120"/>
+            </a:endParaRPr>
+          </a:p>
+        </p:txBody>
+      </p:sp>
+    </p:spTree>
+    <p:extLst>
+      <p:ext uri="{BB962C8B-B14F-4D97-AF65-F5344CB8AC3E}">
+        <p14:creationId xmlns:p14="http://schemas.microsoft.com/office/powerpoint/2010/main" val="3411323352"/>
+      </p:ext>
+    </p:extLst>
+  </p:cSld>
+  <p:clrMapOvr>
+    <a:masterClrMapping/>
+  </p:clrMapOvr>
+</p:sld>
+</file>
+
+<file path=ppt/slides/slide13.xml><?xml version="1.0" encoding="utf-8"?>
+<p:sld xmlns:a="http://schemas.openxmlformats.org/drawingml/2006/main" xmlns:r="http://schemas.openxmlformats.org/officeDocument/2006/relationships" xmlns:p="http://schemas.openxmlformats.org/presentationml/2006/main">
+  <p:cSld>
+    <p:spTree>
+      <p:nvGrpSpPr>
+        <p:cNvPr id="1" name=""/>
+        <p:cNvGrpSpPr/>
+        <p:nvPr/>
+      </p:nvGrpSpPr>
+      <p:grpSpPr>
+        <a:xfrm>
+          <a:off x="0" y="0"/>
+          <a:ext cx="0" cy="0"/>
+          <a:chOff x="0" y="0"/>
+          <a:chExt cx="0" cy="0"/>
+        </a:xfrm>
+      </p:grpSpPr>
+      <p:sp>
+        <p:nvSpPr>
+          <p:cNvPr id="2" name="標題 1">
+            <a:extLst>
+              <a:ext uri="{FF2B5EF4-FFF2-40B4-BE49-F238E27FC236}">
+                <a16:creationId xmlns:a16="http://schemas.microsoft.com/office/drawing/2014/main" id="{B145690C-84AF-71B5-2D89-C5F6F89633BF}"/>
+              </a:ext>
+            </a:extLst>
+          </p:cNvPr>
+          <p:cNvSpPr>
+            <a:spLocks noGrp="1"/>
+          </p:cNvSpPr>
+          <p:nvPr>
+            <p:ph type="title"/>
+          </p:nvPr>
+        </p:nvSpPr>
+        <p:spPr/>
+        <p:txBody>
+          <a:bodyPr/>
+          <a:lstStyle/>
+          <a:p>
+            <a:r>
+              <a:rPr kumimoji="1" lang="zh-TW" altLang="en-US" dirty="0">
+                <a:latin typeface="BiauKai" panose="02010601000101010101" pitchFamily="2" charset="-120"/>
+                <a:ea typeface="BiauKai" panose="02010601000101010101" pitchFamily="2" charset="-120"/>
+              </a:rPr>
+              <a:t>測試對象與案例 </a:t>
+            </a:r>
+            <a:r>
+              <a:rPr kumimoji="1" lang="en-US" altLang="zh-TW" dirty="0">
+                <a:latin typeface="BiauKai" panose="02010601000101010101" pitchFamily="2" charset="-120"/>
+                <a:ea typeface="BiauKai" panose="02010601000101010101" pitchFamily="2" charset="-120"/>
+              </a:rPr>
+              <a:t>– </a:t>
+            </a:r>
+            <a:r>
+              <a:rPr kumimoji="1" lang="zh-TW" altLang="en-US" dirty="0">
+                <a:latin typeface="BiauKai" panose="02010601000101010101" pitchFamily="2" charset="-120"/>
+                <a:ea typeface="BiauKai" panose="02010601000101010101" pitchFamily="2" charset="-120"/>
+              </a:rPr>
+              <a:t>戰鬥</a:t>
+            </a:r>
+          </a:p>
+        </p:txBody>
+      </p:sp>
+      <p:sp>
+        <p:nvSpPr>
+          <p:cNvPr id="3" name="內容版面配置區 2">
+            <a:extLst>
+              <a:ext uri="{FF2B5EF4-FFF2-40B4-BE49-F238E27FC236}">
+                <a16:creationId xmlns:a16="http://schemas.microsoft.com/office/drawing/2014/main" id="{3A572E81-E966-5F3E-E20B-E35F0376C541}"/>
+              </a:ext>
+            </a:extLst>
+          </p:cNvPr>
+          <p:cNvSpPr>
+            <a:spLocks noGrp="1"/>
+          </p:cNvSpPr>
+          <p:nvPr>
+            <p:ph idx="1"/>
+          </p:nvPr>
+        </p:nvSpPr>
+        <p:spPr>
+          <a:xfrm>
+            <a:off x="838200" y="1825625"/>
+            <a:ext cx="10515600" cy="4351338"/>
+          </a:xfrm>
+        </p:spPr>
+        <p:txBody>
+          <a:bodyPr>
+            <a:normAutofit/>
+          </a:bodyPr>
+          <a:lstStyle/>
+          <a:p>
+            <a:r>
+              <a:rPr kumimoji="1" lang="zh-TW" altLang="en-US" sz="2200" dirty="0">
+                <a:latin typeface="BiauKai" panose="02010601000101010101" pitchFamily="2" charset="-120"/>
+                <a:ea typeface="BiauKai" panose="02010601000101010101" pitchFamily="2" charset="-120"/>
+              </a:rPr>
+              <a:t>案例</a:t>
+            </a:r>
+            <a:r>
+              <a:rPr kumimoji="1" lang="en-US" altLang="zh-TW" sz="2200" dirty="0">
+                <a:latin typeface="BiauKai" panose="02010601000101010101" pitchFamily="2" charset="-120"/>
+                <a:ea typeface="BiauKai" panose="02010601000101010101" pitchFamily="2" charset="-120"/>
+              </a:rPr>
+              <a:t>1</a:t>
+            </a:r>
+            <a:r>
+              <a:rPr kumimoji="1" lang="zh-TW" altLang="en-US" sz="2200" dirty="0">
+                <a:latin typeface="BiauKai" panose="02010601000101010101" pitchFamily="2" charset="-120"/>
+                <a:ea typeface="BiauKai" panose="02010601000101010101" pitchFamily="2" charset="-120"/>
+              </a:rPr>
+              <a:t>：玩家可加入戰鬥｜預期結果：成功</a:t>
+            </a:r>
+            <a:endParaRPr kumimoji="1" lang="en-US" altLang="zh-TW" sz="2200" dirty="0">
+              <a:latin typeface="BiauKai" panose="02010601000101010101" pitchFamily="2" charset="-120"/>
+              <a:ea typeface="BiauKai" panose="02010601000101010101" pitchFamily="2" charset="-120"/>
+            </a:endParaRPr>
+          </a:p>
+          <a:p>
+            <a:r>
+              <a:rPr kumimoji="1" lang="zh-TW" altLang="en-US" sz="2200" dirty="0">
+                <a:latin typeface="BiauKai" panose="02010601000101010101" pitchFamily="2" charset="-120"/>
+                <a:ea typeface="BiauKai" panose="02010601000101010101" pitchFamily="2" charset="-120"/>
+              </a:rPr>
+              <a:t>案例</a:t>
+            </a:r>
+            <a:r>
+              <a:rPr kumimoji="1" lang="en-US" altLang="zh-TW" sz="2200" dirty="0">
+                <a:latin typeface="BiauKai" panose="02010601000101010101" pitchFamily="2" charset="-120"/>
+                <a:ea typeface="BiauKai" panose="02010601000101010101" pitchFamily="2" charset="-120"/>
+              </a:rPr>
+              <a:t>2</a:t>
+            </a:r>
+            <a:r>
+              <a:rPr kumimoji="1" lang="zh-TW" altLang="en-US" sz="2200" dirty="0">
+                <a:latin typeface="BiauKai" panose="02010601000101010101" pitchFamily="2" charset="-120"/>
+                <a:ea typeface="BiauKai" panose="02010601000101010101" pitchFamily="2" charset="-120"/>
+              </a:rPr>
+              <a:t>：玩家</a:t>
+            </a:r>
+            <a:r>
+              <a:rPr kumimoji="1" lang="en-US" altLang="zh-TW" sz="2200" dirty="0">
+                <a:latin typeface="BiauKai" panose="02010601000101010101" pitchFamily="2" charset="-120"/>
+                <a:ea typeface="BiauKai" panose="02010601000101010101" pitchFamily="2" charset="-120"/>
+              </a:rPr>
+              <a:t>A</a:t>
+            </a:r>
+            <a:r>
+              <a:rPr kumimoji="1" lang="zh-TW" altLang="en-US" sz="2200" dirty="0">
+                <a:latin typeface="BiauKai" panose="02010601000101010101" pitchFamily="2" charset="-120"/>
+                <a:ea typeface="BiauKai" panose="02010601000101010101" pitchFamily="2" charset="-120"/>
+              </a:rPr>
+              <a:t>發送攻擊通知時，不會攻擊到玩家</a:t>
+            </a:r>
+            <a:r>
+              <a:rPr kumimoji="1" lang="en-US" altLang="zh-TW" sz="2200" dirty="0">
+                <a:latin typeface="BiauKai" panose="02010601000101010101" pitchFamily="2" charset="-120"/>
+                <a:ea typeface="BiauKai" panose="02010601000101010101" pitchFamily="2" charset="-120"/>
+              </a:rPr>
+              <a:t>A</a:t>
+            </a:r>
+            <a:r>
+              <a:rPr kumimoji="1" lang="zh-TW" altLang="en-US" sz="2200" dirty="0">
+                <a:latin typeface="BiauKai" panose="02010601000101010101" pitchFamily="2" charset="-120"/>
+                <a:ea typeface="BiauKai" panose="02010601000101010101" pitchFamily="2" charset="-120"/>
+              </a:rPr>
+              <a:t>，會攻擊到其他玩家｜預期結果：成功</a:t>
+            </a:r>
+            <a:endParaRPr kumimoji="1" lang="en-US" altLang="zh-TW" sz="2200" dirty="0">
+              <a:latin typeface="BiauKai" panose="02010601000101010101" pitchFamily="2" charset="-120"/>
+              <a:ea typeface="BiauKai" panose="02010601000101010101" pitchFamily="2" charset="-120"/>
+            </a:endParaRPr>
+          </a:p>
+          <a:p>
+            <a:r>
+              <a:rPr kumimoji="1" lang="zh-TW" altLang="en-US" sz="2200" dirty="0">
+                <a:latin typeface="BiauKai" panose="02010601000101010101" pitchFamily="2" charset="-120"/>
+                <a:ea typeface="BiauKai" panose="02010601000101010101" pitchFamily="2" charset="-120"/>
+              </a:rPr>
+              <a:t>案例</a:t>
+            </a:r>
+            <a:r>
+              <a:rPr kumimoji="1" lang="en-US" altLang="zh-TW" sz="2200" dirty="0">
+                <a:latin typeface="BiauKai" panose="02010601000101010101" pitchFamily="2" charset="-120"/>
+                <a:ea typeface="BiauKai" panose="02010601000101010101" pitchFamily="2" charset="-120"/>
+              </a:rPr>
+              <a:t>3</a:t>
+            </a:r>
+            <a:r>
+              <a:rPr kumimoji="1" lang="zh-TW" altLang="en-US" sz="2200" dirty="0">
+                <a:latin typeface="BiauKai" panose="02010601000101010101" pitchFamily="2" charset="-120"/>
+                <a:ea typeface="BiauKai" panose="02010601000101010101" pitchFamily="2" charset="-120"/>
+              </a:rPr>
+              <a:t>：玩家</a:t>
+            </a:r>
+            <a:r>
+              <a:rPr kumimoji="1" lang="en-US" altLang="zh-TW" sz="2200" dirty="0">
+                <a:latin typeface="BiauKai" panose="02010601000101010101" pitchFamily="2" charset="-120"/>
+                <a:ea typeface="BiauKai" panose="02010601000101010101" pitchFamily="2" charset="-120"/>
+              </a:rPr>
+              <a:t>A</a:t>
+            </a:r>
+            <a:r>
+              <a:rPr kumimoji="1" lang="zh-TW" altLang="en-US" sz="2200" dirty="0">
+                <a:latin typeface="BiauKai" panose="02010601000101010101" pitchFamily="2" charset="-120"/>
+                <a:ea typeface="BiauKai" panose="02010601000101010101" pitchFamily="2" charset="-120"/>
+              </a:rPr>
+              <a:t>發送退出戰鬥通知時，不會通知到玩家</a:t>
+            </a:r>
+            <a:r>
+              <a:rPr kumimoji="1" lang="en-US" altLang="zh-TW" sz="2200" dirty="0">
+                <a:latin typeface="BiauKai" panose="02010601000101010101" pitchFamily="2" charset="-120"/>
+                <a:ea typeface="BiauKai" panose="02010601000101010101" pitchFamily="2" charset="-120"/>
+              </a:rPr>
+              <a:t>A</a:t>
+            </a:r>
+            <a:r>
+              <a:rPr kumimoji="1" lang="zh-TW" altLang="en-US" sz="2200" dirty="0">
+                <a:latin typeface="BiauKai" panose="02010601000101010101" pitchFamily="2" charset="-120"/>
+                <a:ea typeface="BiauKai" panose="02010601000101010101" pitchFamily="2" charset="-120"/>
+              </a:rPr>
+              <a:t>，會通知到其他玩家｜預期結果：成功</a:t>
+            </a:r>
+          </a:p>
+        </p:txBody>
+      </p:sp>
+    </p:spTree>
+    <p:extLst>
+      <p:ext uri="{BB962C8B-B14F-4D97-AF65-F5344CB8AC3E}">
+        <p14:creationId xmlns:p14="http://schemas.microsoft.com/office/powerpoint/2010/main" val="768528904"/>
+      </p:ext>
+    </p:extLst>
+  </p:cSld>
+  <p:clrMapOvr>
+    <a:masterClrMapping/>
+  </p:clrMapOvr>
+</p:sld>
+</file>
+
+<file path=ppt/slides/slide14.xml><?xml version="1.0" encoding="utf-8"?>
+<p:sld xmlns:a="http://schemas.openxmlformats.org/drawingml/2006/main" xmlns:r="http://schemas.openxmlformats.org/officeDocument/2006/relationships" xmlns:p="http://schemas.openxmlformats.org/presentationml/2006/main">
+  <p:cSld>
+    <p:spTree>
+      <p:nvGrpSpPr>
+        <p:cNvPr id="1" name=""/>
+        <p:cNvGrpSpPr/>
+        <p:nvPr/>
+      </p:nvGrpSpPr>
+      <p:grpSpPr>
+        <a:xfrm>
+          <a:off x="0" y="0"/>
+          <a:ext cx="0" cy="0"/>
+          <a:chOff x="0" y="0"/>
+          <a:chExt cx="0" cy="0"/>
+        </a:xfrm>
+      </p:grpSpPr>
+      <p:sp>
+        <p:nvSpPr>
+          <p:cNvPr id="2" name="標題 1">
+            <a:extLst>
+              <a:ext uri="{FF2B5EF4-FFF2-40B4-BE49-F238E27FC236}">
+                <a16:creationId xmlns:a16="http://schemas.microsoft.com/office/drawing/2014/main" id="{B145690C-84AF-71B5-2D89-C5F6F89633BF}"/>
+              </a:ext>
+            </a:extLst>
+          </p:cNvPr>
+          <p:cNvSpPr>
+            <a:spLocks noGrp="1"/>
+          </p:cNvSpPr>
+          <p:nvPr>
+            <p:ph type="title"/>
+          </p:nvPr>
+        </p:nvSpPr>
+        <p:spPr/>
+        <p:txBody>
+          <a:bodyPr/>
+          <a:lstStyle/>
+          <a:p>
+            <a:r>
+              <a:rPr kumimoji="1" lang="zh-TW" altLang="en-US" dirty="0">
+                <a:latin typeface="BiauKai" panose="02010601000101010101" pitchFamily="2" charset="-120"/>
+                <a:ea typeface="BiauKai" panose="02010601000101010101" pitchFamily="2" charset="-120"/>
+              </a:rPr>
+              <a:t>測試對象與案例 </a:t>
+            </a:r>
+            <a:r>
+              <a:rPr kumimoji="1" lang="en-US" altLang="zh-TW" dirty="0">
+                <a:latin typeface="BiauKai" panose="02010601000101010101" pitchFamily="2" charset="-120"/>
+                <a:ea typeface="BiauKai" panose="02010601000101010101" pitchFamily="2" charset="-120"/>
+              </a:rPr>
+              <a:t>– </a:t>
+            </a:r>
+            <a:r>
+              <a:rPr kumimoji="1" lang="zh-TW" altLang="en-US" dirty="0">
+                <a:latin typeface="BiauKai" panose="02010601000101010101" pitchFamily="2" charset="-120"/>
+                <a:ea typeface="BiauKai" panose="02010601000101010101" pitchFamily="2" charset="-120"/>
+              </a:rPr>
+              <a:t>玩家</a:t>
+            </a:r>
+          </a:p>
+        </p:txBody>
+      </p:sp>
+      <p:sp>
+        <p:nvSpPr>
+          <p:cNvPr id="4" name="內容版面配置區 2">
+            <a:extLst>
+              <a:ext uri="{FF2B5EF4-FFF2-40B4-BE49-F238E27FC236}">
+                <a16:creationId xmlns:a16="http://schemas.microsoft.com/office/drawing/2014/main" id="{8B29FDFB-9AC4-6087-95BB-E32F67A2D4A7}"/>
+              </a:ext>
+            </a:extLst>
+          </p:cNvPr>
+          <p:cNvSpPr>
+            <a:spLocks noGrp="1"/>
+          </p:cNvSpPr>
+          <p:nvPr>
+            <p:ph idx="1"/>
+          </p:nvPr>
+        </p:nvSpPr>
+        <p:spPr>
+          <a:xfrm>
+            <a:off x="838200" y="1825625"/>
+            <a:ext cx="10515600" cy="4351338"/>
+          </a:xfrm>
+        </p:spPr>
+        <p:txBody>
+          <a:bodyPr>
+            <a:normAutofit/>
+          </a:bodyPr>
+          <a:lstStyle/>
+          <a:p>
+            <a:r>
+              <a:rPr kumimoji="1" lang="zh-TW" altLang="en-US" sz="2200" dirty="0">
+                <a:latin typeface="BiauKai" panose="02010601000101010101" pitchFamily="2" charset="-120"/>
+                <a:ea typeface="BiauKai" panose="02010601000101010101" pitchFamily="2" charset="-120"/>
+              </a:rPr>
+              <a:t>案例</a:t>
+            </a:r>
+            <a:r>
+              <a:rPr kumimoji="1" lang="en-US" altLang="zh-TW" sz="2200" dirty="0">
+                <a:latin typeface="BiauKai" panose="02010601000101010101" pitchFamily="2" charset="-120"/>
+                <a:ea typeface="BiauKai" panose="02010601000101010101" pitchFamily="2" charset="-120"/>
+              </a:rPr>
+              <a:t>1</a:t>
+            </a:r>
+            <a:r>
+              <a:rPr kumimoji="1" lang="zh-TW" altLang="en-US" sz="2200" dirty="0">
+                <a:latin typeface="BiauKai" panose="02010601000101010101" pitchFamily="2" charset="-120"/>
+                <a:ea typeface="BiauKai" panose="02010601000101010101" pitchFamily="2" charset="-120"/>
+              </a:rPr>
+              <a:t>：玩家加入戰鬥後，獲得軍隊、資源、建築物｜預期結果：正確</a:t>
+            </a:r>
+            <a:endParaRPr kumimoji="1" lang="en-US" altLang="zh-TW" sz="2200" dirty="0">
+              <a:latin typeface="BiauKai" panose="02010601000101010101" pitchFamily="2" charset="-120"/>
+              <a:ea typeface="BiauKai" panose="02010601000101010101" pitchFamily="2" charset="-120"/>
+            </a:endParaRPr>
+          </a:p>
+          <a:p>
+            <a:r>
+              <a:rPr kumimoji="1" lang="zh-TW" altLang="en-US" sz="2200" dirty="0">
+                <a:latin typeface="BiauKai" panose="02010601000101010101" pitchFamily="2" charset="-120"/>
+                <a:ea typeface="BiauKai" panose="02010601000101010101" pitchFamily="2" charset="-120"/>
+              </a:rPr>
+              <a:t>案例</a:t>
+            </a:r>
+            <a:r>
+              <a:rPr kumimoji="1" lang="en-US" altLang="zh-TW" sz="2200" dirty="0">
+                <a:latin typeface="BiauKai" panose="02010601000101010101" pitchFamily="2" charset="-120"/>
+                <a:ea typeface="BiauKai" panose="02010601000101010101" pitchFamily="2" charset="-120"/>
+              </a:rPr>
+              <a:t>2</a:t>
+            </a:r>
+            <a:r>
+              <a:rPr kumimoji="1" lang="zh-TW" altLang="en-US" sz="2200" dirty="0">
+                <a:latin typeface="BiauKai" panose="02010601000101010101" pitchFamily="2" charset="-120"/>
+                <a:ea typeface="BiauKai" panose="02010601000101010101" pitchFamily="2" charset="-120"/>
+              </a:rPr>
+              <a:t>：玩家發動攻擊後，改變軍隊為攻擊狀態且通知戰鬥發送攻擊｜預期結果：成功</a:t>
+            </a:r>
+            <a:endParaRPr kumimoji="1" lang="en-US" altLang="zh-TW" sz="2200" dirty="0">
+              <a:latin typeface="BiauKai" panose="02010601000101010101" pitchFamily="2" charset="-120"/>
+              <a:ea typeface="BiauKai" panose="02010601000101010101" pitchFamily="2" charset="-120"/>
+            </a:endParaRPr>
+          </a:p>
+          <a:p>
+            <a:r>
+              <a:rPr kumimoji="1" lang="zh-TW" altLang="en-US" sz="2200" dirty="0">
+                <a:latin typeface="BiauKai" panose="02010601000101010101" pitchFamily="2" charset="-120"/>
+                <a:ea typeface="BiauKai" panose="02010601000101010101" pitchFamily="2" charset="-120"/>
+              </a:rPr>
+              <a:t>案例</a:t>
+            </a:r>
+            <a:r>
+              <a:rPr kumimoji="1" lang="en-US" altLang="zh-TW" sz="2200" dirty="0">
+                <a:latin typeface="BiauKai" panose="02010601000101010101" pitchFamily="2" charset="-120"/>
+                <a:ea typeface="BiauKai" panose="02010601000101010101" pitchFamily="2" charset="-120"/>
+              </a:rPr>
+              <a:t>3</a:t>
+            </a:r>
+            <a:r>
+              <a:rPr kumimoji="1" lang="zh-TW" altLang="en-US" sz="2200" dirty="0">
+                <a:latin typeface="BiauKai" panose="02010601000101010101" pitchFamily="2" charset="-120"/>
+                <a:ea typeface="BiauKai" panose="02010601000101010101" pitchFamily="2" charset="-120"/>
+              </a:rPr>
+              <a:t>：玩家發動防禦後，改變軍隊為防禦狀態｜預期結果：成功</a:t>
+            </a:r>
+            <a:endParaRPr kumimoji="1" lang="en-US" altLang="zh-TW" sz="2200" dirty="0">
+              <a:latin typeface="BiauKai" panose="02010601000101010101" pitchFamily="2" charset="-120"/>
+              <a:ea typeface="BiauKai" panose="02010601000101010101" pitchFamily="2" charset="-120"/>
+            </a:endParaRPr>
+          </a:p>
+          <a:p>
+            <a:r>
+              <a:rPr kumimoji="1" lang="zh-TW" altLang="en-US" sz="2200" dirty="0">
+                <a:latin typeface="BiauKai" panose="02010601000101010101" pitchFamily="2" charset="-120"/>
+                <a:ea typeface="BiauKai" panose="02010601000101010101" pitchFamily="2" charset="-120"/>
+              </a:rPr>
+              <a:t>案例</a:t>
+            </a:r>
+            <a:r>
+              <a:rPr kumimoji="1" lang="en-US" altLang="zh-TW" sz="2200" dirty="0">
+                <a:latin typeface="BiauKai" panose="02010601000101010101" pitchFamily="2" charset="-120"/>
+                <a:ea typeface="BiauKai" panose="02010601000101010101" pitchFamily="2" charset="-120"/>
+              </a:rPr>
+              <a:t>4</a:t>
+            </a:r>
+            <a:r>
+              <a:rPr kumimoji="1" lang="zh-TW" altLang="en-US" sz="2200" dirty="0">
+                <a:latin typeface="BiauKai" panose="02010601000101010101" pitchFamily="2" charset="-120"/>
+                <a:ea typeface="BiauKai" panose="02010601000101010101" pitchFamily="2" charset="-120"/>
+              </a:rPr>
+              <a:t>：玩家</a:t>
+            </a:r>
+            <a:r>
+              <a:rPr kumimoji="1" lang="en-US" altLang="zh-TW" sz="2200" dirty="0">
+                <a:latin typeface="BiauKai" panose="02010601000101010101" pitchFamily="2" charset="-120"/>
+                <a:ea typeface="BiauKai" panose="02010601000101010101" pitchFamily="2" charset="-120"/>
+              </a:rPr>
+              <a:t>A</a:t>
+            </a:r>
+            <a:r>
+              <a:rPr kumimoji="1" lang="zh-TW" altLang="en-US" sz="2200" dirty="0">
+                <a:latin typeface="BiauKai" panose="02010601000101010101" pitchFamily="2" charset="-120"/>
+                <a:ea typeface="BiauKai" panose="02010601000101010101" pitchFamily="2" charset="-120"/>
+              </a:rPr>
+              <a:t>被玩家</a:t>
+            </a:r>
+            <a:r>
+              <a:rPr kumimoji="1" lang="en-US" altLang="zh-TW" sz="2200" dirty="0">
+                <a:latin typeface="BiauKai" panose="02010601000101010101" pitchFamily="2" charset="-120"/>
+                <a:ea typeface="BiauKai" panose="02010601000101010101" pitchFamily="2" charset="-120"/>
+              </a:rPr>
+              <a:t>B</a:t>
+            </a:r>
+            <a:r>
+              <a:rPr kumimoji="1" lang="zh-TW" altLang="en-US" sz="2200" dirty="0">
+                <a:latin typeface="BiauKai" panose="02010601000101010101" pitchFamily="2" charset="-120"/>
+                <a:ea typeface="BiauKai" panose="02010601000101010101" pitchFamily="2" charset="-120"/>
+              </a:rPr>
+              <a:t>攻擊後仍存活，玩家的生命值為：當前生命值減去（玩家</a:t>
+            </a:r>
+            <a:r>
+              <a:rPr kumimoji="1" lang="en-US" altLang="zh-TW" sz="2200" dirty="0">
+                <a:latin typeface="BiauKai" panose="02010601000101010101" pitchFamily="2" charset="-120"/>
+                <a:ea typeface="BiauKai" panose="02010601000101010101" pitchFamily="2" charset="-120"/>
+              </a:rPr>
+              <a:t>B</a:t>
+            </a:r>
+            <a:r>
+              <a:rPr kumimoji="1" lang="zh-TW" altLang="en-US" sz="2200" dirty="0">
+                <a:latin typeface="BiauKai" panose="02010601000101010101" pitchFamily="2" charset="-120"/>
+                <a:ea typeface="BiauKai" panose="02010601000101010101" pitchFamily="2" charset="-120"/>
+              </a:rPr>
+              <a:t>的傷害扣除建築物防禦等級）｜預期結果：正確</a:t>
+            </a:r>
+            <a:endParaRPr kumimoji="1" lang="en-US" altLang="zh-TW" sz="2200" dirty="0">
+              <a:latin typeface="BiauKai" panose="02010601000101010101" pitchFamily="2" charset="-120"/>
+              <a:ea typeface="BiauKai" panose="02010601000101010101" pitchFamily="2" charset="-120"/>
+            </a:endParaRPr>
+          </a:p>
+          <a:p>
+            <a:r>
+              <a:rPr kumimoji="1" lang="zh-TW" altLang="en-US" sz="2200" dirty="0">
+                <a:latin typeface="BiauKai" panose="02010601000101010101" pitchFamily="2" charset="-120"/>
+                <a:ea typeface="BiauKai" panose="02010601000101010101" pitchFamily="2" charset="-120"/>
+              </a:rPr>
+              <a:t>案例</a:t>
+            </a:r>
+            <a:r>
+              <a:rPr kumimoji="1" lang="en-US" altLang="zh-TW" sz="2200" dirty="0">
+                <a:latin typeface="BiauKai" panose="02010601000101010101" pitchFamily="2" charset="-120"/>
+                <a:ea typeface="BiauKai" panose="02010601000101010101" pitchFamily="2" charset="-120"/>
+              </a:rPr>
+              <a:t>5</a:t>
+            </a:r>
+            <a:r>
+              <a:rPr kumimoji="1" lang="zh-TW" altLang="en-US" sz="2200" dirty="0">
+                <a:latin typeface="BiauKai" panose="02010601000101010101" pitchFamily="2" charset="-120"/>
+                <a:ea typeface="BiauKai" panose="02010601000101010101" pitchFamily="2" charset="-120"/>
+              </a:rPr>
+              <a:t>：玩家</a:t>
+            </a:r>
+            <a:r>
+              <a:rPr kumimoji="1" lang="en-US" altLang="zh-TW" sz="2200" dirty="0">
+                <a:latin typeface="BiauKai" panose="02010601000101010101" pitchFamily="2" charset="-120"/>
+                <a:ea typeface="BiauKai" panose="02010601000101010101" pitchFamily="2" charset="-120"/>
+              </a:rPr>
+              <a:t>A</a:t>
+            </a:r>
+            <a:r>
+              <a:rPr kumimoji="1" lang="zh-TW" altLang="en-US" sz="2200" dirty="0">
+                <a:latin typeface="BiauKai" panose="02010601000101010101" pitchFamily="2" charset="-120"/>
+                <a:ea typeface="BiauKai" panose="02010601000101010101" pitchFamily="2" charset="-120"/>
+              </a:rPr>
+              <a:t>被玩家</a:t>
+            </a:r>
+            <a:r>
+              <a:rPr kumimoji="1" lang="en-US" altLang="zh-TW" sz="2200" dirty="0">
+                <a:latin typeface="BiauKai" panose="02010601000101010101" pitchFamily="2" charset="-120"/>
+                <a:ea typeface="BiauKai" panose="02010601000101010101" pitchFamily="2" charset="-120"/>
+              </a:rPr>
+              <a:t>B</a:t>
+            </a:r>
+            <a:r>
+              <a:rPr kumimoji="1" lang="zh-TW" altLang="en-US" sz="2200" dirty="0">
+                <a:latin typeface="BiauKai" panose="02010601000101010101" pitchFamily="2" charset="-120"/>
+                <a:ea typeface="BiauKai" panose="02010601000101010101" pitchFamily="2" charset="-120"/>
+              </a:rPr>
+              <a:t>攻擊後仍陣亡，玩家的生命值為：</a:t>
+            </a:r>
+            <a:r>
+              <a:rPr kumimoji="1" lang="en-US" altLang="zh-TW" sz="2200" dirty="0">
+                <a:latin typeface="BiauKai" panose="02010601000101010101" pitchFamily="2" charset="-120"/>
+                <a:ea typeface="BiauKai" panose="02010601000101010101" pitchFamily="2" charset="-120"/>
+              </a:rPr>
+              <a:t>0</a:t>
+            </a:r>
+            <a:r>
+              <a:rPr kumimoji="1" lang="zh-TW" altLang="en-US" sz="2200" dirty="0">
+                <a:latin typeface="BiauKai" panose="02010601000101010101" pitchFamily="2" charset="-120"/>
+                <a:ea typeface="BiauKai" panose="02010601000101010101" pitchFamily="2" charset="-120"/>
+              </a:rPr>
+              <a:t>，且通知戰鬥已退出戰鬥與改變軍隊為撤退狀態｜預期結果：正確</a:t>
+            </a:r>
+          </a:p>
+          <a:p>
+            <a:endParaRPr kumimoji="1" lang="zh-TW" altLang="en-US" sz="2200" dirty="0">
+              <a:latin typeface="BiauKai" panose="02010601000101010101" pitchFamily="2" charset="-120"/>
+              <a:ea typeface="BiauKai" panose="02010601000101010101" pitchFamily="2" charset="-120"/>
+            </a:endParaRPr>
+          </a:p>
+        </p:txBody>
+      </p:sp>
+    </p:spTree>
+    <p:extLst>
+      <p:ext uri="{BB962C8B-B14F-4D97-AF65-F5344CB8AC3E}">
+        <p14:creationId xmlns:p14="http://schemas.microsoft.com/office/powerpoint/2010/main" val="1484391343"/>
+      </p:ext>
+    </p:extLst>
+  </p:cSld>
+  <p:clrMapOvr>
+    <a:masterClrMapping/>
+  </p:clrMapOvr>
+</p:sld>
+</file>
+
+<file path=ppt/slides/slide15.xml><?xml version="1.0" encoding="utf-8"?>
+<p:sld xmlns:a="http://schemas.openxmlformats.org/drawingml/2006/main" xmlns:r="http://schemas.openxmlformats.org/officeDocument/2006/relationships" xmlns:p="http://schemas.openxmlformats.org/presentationml/2006/main">
+  <p:cSld>
+    <p:spTree>
+      <p:nvGrpSpPr>
+        <p:cNvPr id="1" name=""/>
+        <p:cNvGrpSpPr/>
+        <p:nvPr/>
+      </p:nvGrpSpPr>
+      <p:grpSpPr>
+        <a:xfrm>
+          <a:off x="0" y="0"/>
+          <a:ext cx="0" cy="0"/>
+          <a:chOff x="0" y="0"/>
+          <a:chExt cx="0" cy="0"/>
+        </a:xfrm>
+      </p:grpSpPr>
+      <p:sp>
+        <p:nvSpPr>
+          <p:cNvPr id="2" name="標題 1">
+            <a:extLst>
+              <a:ext uri="{FF2B5EF4-FFF2-40B4-BE49-F238E27FC236}">
+                <a16:creationId xmlns:a16="http://schemas.microsoft.com/office/drawing/2014/main" id="{B145690C-84AF-71B5-2D89-C5F6F89633BF}"/>
+              </a:ext>
+            </a:extLst>
+          </p:cNvPr>
+          <p:cNvSpPr>
+            <a:spLocks noGrp="1"/>
+          </p:cNvSpPr>
+          <p:nvPr>
+            <p:ph type="title"/>
+          </p:nvPr>
+        </p:nvSpPr>
+        <p:spPr/>
+        <p:txBody>
+          <a:bodyPr/>
+          <a:lstStyle/>
+          <a:p>
+            <a:r>
+              <a:rPr kumimoji="1" lang="zh-TW" altLang="en-US" dirty="0">
+                <a:latin typeface="BiauKai" panose="02010601000101010101" pitchFamily="2" charset="-120"/>
+                <a:ea typeface="BiauKai" panose="02010601000101010101" pitchFamily="2" charset="-120"/>
+              </a:rPr>
+              <a:t>測試對象與案例 </a:t>
+            </a:r>
+            <a:r>
+              <a:rPr kumimoji="1" lang="en-US" altLang="zh-TW" dirty="0">
+                <a:latin typeface="BiauKai" panose="02010601000101010101" pitchFamily="2" charset="-120"/>
+                <a:ea typeface="BiauKai" panose="02010601000101010101" pitchFamily="2" charset="-120"/>
+              </a:rPr>
+              <a:t>– </a:t>
+            </a:r>
+            <a:r>
+              <a:rPr kumimoji="1" lang="zh-TW" altLang="en-US" dirty="0">
+                <a:latin typeface="BiauKai" panose="02010601000101010101" pitchFamily="2" charset="-120"/>
+                <a:ea typeface="BiauKai" panose="02010601000101010101" pitchFamily="2" charset="-120"/>
+              </a:rPr>
+              <a:t>精靈玩家</a:t>
+            </a:r>
+          </a:p>
+        </p:txBody>
+      </p:sp>
+      <p:sp>
+        <p:nvSpPr>
+          <p:cNvPr id="4" name="內容版面配置區 2">
+            <a:extLst>
+              <a:ext uri="{FF2B5EF4-FFF2-40B4-BE49-F238E27FC236}">
+                <a16:creationId xmlns:a16="http://schemas.microsoft.com/office/drawing/2014/main" id="{8B29FDFB-9AC4-6087-95BB-E32F67A2D4A7}"/>
+              </a:ext>
+            </a:extLst>
+          </p:cNvPr>
+          <p:cNvSpPr>
+            <a:spLocks noGrp="1"/>
+          </p:cNvSpPr>
+          <p:nvPr>
+            <p:ph idx="1"/>
+          </p:nvPr>
+        </p:nvSpPr>
+        <p:spPr>
+          <a:xfrm>
+            <a:off x="838200" y="1825625"/>
+            <a:ext cx="10515600" cy="4351338"/>
+          </a:xfrm>
+        </p:spPr>
+        <p:txBody>
+          <a:bodyPr>
+            <a:normAutofit/>
+          </a:bodyPr>
+          <a:lstStyle/>
+          <a:p>
+            <a:r>
+              <a:rPr kumimoji="1" lang="zh-TW" altLang="en-US" sz="2200" dirty="0">
+                <a:latin typeface="BiauKai" panose="02010601000101010101" pitchFamily="2" charset="-120"/>
+                <a:ea typeface="BiauKai" panose="02010601000101010101" pitchFamily="2" charset="-120"/>
+              </a:rPr>
+              <a:t>案例</a:t>
+            </a:r>
+            <a:r>
+              <a:rPr kumimoji="1" lang="en-US" altLang="zh-TW" sz="2200" dirty="0">
+                <a:latin typeface="BiauKai" panose="02010601000101010101" pitchFamily="2" charset="-120"/>
+                <a:ea typeface="BiauKai" panose="02010601000101010101" pitchFamily="2" charset="-120"/>
+              </a:rPr>
+              <a:t>1</a:t>
+            </a:r>
+            <a:r>
+              <a:rPr kumimoji="1" lang="zh-TW" altLang="en-US" sz="2200" dirty="0">
+                <a:latin typeface="BiauKai" panose="02010601000101010101" pitchFamily="2" charset="-120"/>
+                <a:ea typeface="BiauKai" panose="02010601000101010101" pitchFamily="2" charset="-120"/>
+              </a:rPr>
+              <a:t>：傷害值為</a:t>
+            </a:r>
+            <a:r>
+              <a:rPr kumimoji="1" lang="en-US" altLang="zh-TW" sz="2200" dirty="0">
+                <a:latin typeface="BiauKai" panose="02010601000101010101" pitchFamily="2" charset="-120"/>
+                <a:ea typeface="BiauKai" panose="02010601000101010101" pitchFamily="2" charset="-120"/>
+              </a:rPr>
+              <a:t>5</a:t>
+            </a:r>
+            <a:r>
+              <a:rPr kumimoji="1" lang="zh-TW" altLang="en-US" sz="2200" dirty="0">
+                <a:latin typeface="BiauKai" panose="02010601000101010101" pitchFamily="2" charset="-120"/>
+                <a:ea typeface="BiauKai" panose="02010601000101010101" pitchFamily="2" charset="-120"/>
+              </a:rPr>
+              <a:t>｜預期結果：正確</a:t>
+            </a:r>
+          </a:p>
+        </p:txBody>
+      </p:sp>
+    </p:spTree>
+    <p:extLst>
+      <p:ext uri="{BB962C8B-B14F-4D97-AF65-F5344CB8AC3E}">
+        <p14:creationId xmlns:p14="http://schemas.microsoft.com/office/powerpoint/2010/main" val="3781625787"/>
+      </p:ext>
+    </p:extLst>
+  </p:cSld>
+  <p:clrMapOvr>
+    <a:masterClrMapping/>
+  </p:clrMapOvr>
+</p:sld>
+</file>
+
+<file path=ppt/slides/slide16.xml><?xml version="1.0" encoding="utf-8"?>
+<p:sld xmlns:a="http://schemas.openxmlformats.org/drawingml/2006/main" xmlns:r="http://schemas.openxmlformats.org/officeDocument/2006/relationships" xmlns:p="http://schemas.openxmlformats.org/presentationml/2006/main">
+  <p:cSld>
+    <p:spTree>
+      <p:nvGrpSpPr>
+        <p:cNvPr id="1" name=""/>
+        <p:cNvGrpSpPr/>
+        <p:nvPr/>
+      </p:nvGrpSpPr>
+      <p:grpSpPr>
+        <a:xfrm>
+          <a:off x="0" y="0"/>
+          <a:ext cx="0" cy="0"/>
+          <a:chOff x="0" y="0"/>
+          <a:chExt cx="0" cy="0"/>
+        </a:xfrm>
+      </p:grpSpPr>
+      <p:sp>
+        <p:nvSpPr>
+          <p:cNvPr id="2" name="標題 1">
+            <a:extLst>
+              <a:ext uri="{FF2B5EF4-FFF2-40B4-BE49-F238E27FC236}">
+                <a16:creationId xmlns:a16="http://schemas.microsoft.com/office/drawing/2014/main" id="{B145690C-84AF-71B5-2D89-C5F6F89633BF}"/>
+              </a:ext>
+            </a:extLst>
+          </p:cNvPr>
+          <p:cNvSpPr>
+            <a:spLocks noGrp="1"/>
+          </p:cNvSpPr>
+          <p:nvPr>
+            <p:ph type="title"/>
+          </p:nvPr>
+        </p:nvSpPr>
+        <p:spPr/>
+        <p:txBody>
+          <a:bodyPr/>
+          <a:lstStyle/>
+          <a:p>
+            <a:r>
+              <a:rPr kumimoji="1" lang="zh-TW" altLang="en-US" dirty="0">
+                <a:latin typeface="BiauKai" panose="02010601000101010101" pitchFamily="2" charset="-120"/>
+                <a:ea typeface="BiauKai" panose="02010601000101010101" pitchFamily="2" charset="-120"/>
+              </a:rPr>
+              <a:t>測試對象與案例 </a:t>
+            </a:r>
+            <a:r>
+              <a:rPr kumimoji="1" lang="en-US" altLang="zh-TW" dirty="0">
+                <a:latin typeface="BiauKai" panose="02010601000101010101" pitchFamily="2" charset="-120"/>
+                <a:ea typeface="BiauKai" panose="02010601000101010101" pitchFamily="2" charset="-120"/>
+              </a:rPr>
+              <a:t>– </a:t>
+            </a:r>
+            <a:r>
+              <a:rPr kumimoji="1" lang="zh-TW" altLang="en-US" dirty="0">
+                <a:latin typeface="BiauKai" panose="02010601000101010101" pitchFamily="2" charset="-120"/>
+                <a:ea typeface="BiauKai" panose="02010601000101010101" pitchFamily="2" charset="-120"/>
+              </a:rPr>
+              <a:t>人族玩家</a:t>
+            </a:r>
+          </a:p>
+        </p:txBody>
+      </p:sp>
+      <p:sp>
+        <p:nvSpPr>
+          <p:cNvPr id="4" name="內容版面配置區 2">
+            <a:extLst>
+              <a:ext uri="{FF2B5EF4-FFF2-40B4-BE49-F238E27FC236}">
+                <a16:creationId xmlns:a16="http://schemas.microsoft.com/office/drawing/2014/main" id="{8B29FDFB-9AC4-6087-95BB-E32F67A2D4A7}"/>
+              </a:ext>
+            </a:extLst>
+          </p:cNvPr>
+          <p:cNvSpPr>
+            <a:spLocks noGrp="1"/>
+          </p:cNvSpPr>
+          <p:nvPr>
+            <p:ph idx="1"/>
+          </p:nvPr>
+        </p:nvSpPr>
+        <p:spPr>
+          <a:xfrm>
+            <a:off x="838200" y="1825625"/>
+            <a:ext cx="10515600" cy="4351338"/>
+          </a:xfrm>
+        </p:spPr>
+        <p:txBody>
+          <a:bodyPr>
+            <a:normAutofit/>
+          </a:bodyPr>
+          <a:lstStyle/>
+          <a:p>
+            <a:r>
+              <a:rPr kumimoji="1" lang="zh-TW" altLang="en-US" sz="2200" dirty="0">
+                <a:latin typeface="BiauKai" panose="02010601000101010101" pitchFamily="2" charset="-120"/>
+                <a:ea typeface="BiauKai" panose="02010601000101010101" pitchFamily="2" charset="-120"/>
+              </a:rPr>
+              <a:t>案例</a:t>
+            </a:r>
+            <a:r>
+              <a:rPr kumimoji="1" lang="en-US" altLang="zh-TW" sz="2200" dirty="0">
+                <a:latin typeface="BiauKai" panose="02010601000101010101" pitchFamily="2" charset="-120"/>
+                <a:ea typeface="BiauKai" panose="02010601000101010101" pitchFamily="2" charset="-120"/>
+              </a:rPr>
+              <a:t>1</a:t>
+            </a:r>
+            <a:r>
+              <a:rPr kumimoji="1" lang="zh-TW" altLang="en-US" sz="2200" dirty="0">
+                <a:latin typeface="BiauKai" panose="02010601000101010101" pitchFamily="2" charset="-120"/>
+                <a:ea typeface="BiauKai" panose="02010601000101010101" pitchFamily="2" charset="-120"/>
+              </a:rPr>
+              <a:t>：傷害值為</a:t>
+            </a:r>
+            <a:r>
+              <a:rPr kumimoji="1" lang="en-US" altLang="zh-TW" sz="2200" dirty="0">
+                <a:latin typeface="BiauKai" panose="02010601000101010101" pitchFamily="2" charset="-120"/>
+                <a:ea typeface="BiauKai" panose="02010601000101010101" pitchFamily="2" charset="-120"/>
+              </a:rPr>
+              <a:t>5</a:t>
+            </a:r>
+            <a:r>
+              <a:rPr kumimoji="1" lang="zh-TW" altLang="en-US" sz="2200" dirty="0">
+                <a:latin typeface="BiauKai" panose="02010601000101010101" pitchFamily="2" charset="-120"/>
+                <a:ea typeface="BiauKai" panose="02010601000101010101" pitchFamily="2" charset="-120"/>
+              </a:rPr>
+              <a:t>｜預期結果：正確</a:t>
+            </a:r>
+          </a:p>
+          <a:p>
+            <a:endParaRPr kumimoji="1" lang="zh-TW" altLang="en-US" sz="2200" dirty="0">
+              <a:latin typeface="BiauKai" panose="02010601000101010101" pitchFamily="2" charset="-120"/>
+              <a:ea typeface="BiauKai" panose="02010601000101010101" pitchFamily="2" charset="-120"/>
+            </a:endParaRPr>
+          </a:p>
+        </p:txBody>
+      </p:sp>
+    </p:spTree>
+    <p:extLst>
+      <p:ext uri="{BB962C8B-B14F-4D97-AF65-F5344CB8AC3E}">
+        <p14:creationId xmlns:p14="http://schemas.microsoft.com/office/powerpoint/2010/main" val="2855972112"/>
+      </p:ext>
+    </p:extLst>
+  </p:cSld>
+  <p:clrMapOvr>
+    <a:masterClrMapping/>
+  </p:clrMapOvr>
+</p:sld>
+</file>
+
+<file path=ppt/slides/slide17.xml><?xml version="1.0" encoding="utf-8"?>
+<p:sld xmlns:a="http://schemas.openxmlformats.org/drawingml/2006/main" xmlns:r="http://schemas.openxmlformats.org/officeDocument/2006/relationships" xmlns:p="http://schemas.openxmlformats.org/presentationml/2006/main">
+  <p:cSld>
+    <p:spTree>
+      <p:nvGrpSpPr>
+        <p:cNvPr id="1" name=""/>
+        <p:cNvGrpSpPr/>
+        <p:nvPr/>
+      </p:nvGrpSpPr>
+      <p:grpSpPr>
+        <a:xfrm>
+          <a:off x="0" y="0"/>
+          <a:ext cx="0" cy="0"/>
+          <a:chOff x="0" y="0"/>
+          <a:chExt cx="0" cy="0"/>
+        </a:xfrm>
+      </p:grpSpPr>
+      <p:sp>
+        <p:nvSpPr>
+          <p:cNvPr id="2" name="標題 1">
+            <a:extLst>
+              <a:ext uri="{FF2B5EF4-FFF2-40B4-BE49-F238E27FC236}">
+                <a16:creationId xmlns:a16="http://schemas.microsoft.com/office/drawing/2014/main" id="{B145690C-84AF-71B5-2D89-C5F6F89633BF}"/>
+              </a:ext>
+            </a:extLst>
+          </p:cNvPr>
+          <p:cNvSpPr>
+            <a:spLocks noGrp="1"/>
+          </p:cNvSpPr>
+          <p:nvPr>
+            <p:ph type="title"/>
+          </p:nvPr>
+        </p:nvSpPr>
+        <p:spPr/>
+        <p:txBody>
+          <a:bodyPr/>
+          <a:lstStyle/>
+          <a:p>
+            <a:r>
+              <a:rPr kumimoji="1" lang="zh-TW" altLang="en-US" dirty="0">
+                <a:latin typeface="BiauKai" panose="02010601000101010101" pitchFamily="2" charset="-120"/>
+                <a:ea typeface="BiauKai" panose="02010601000101010101" pitchFamily="2" charset="-120"/>
+              </a:rPr>
+              <a:t>測試對象與案例 </a:t>
+            </a:r>
+            <a:r>
+              <a:rPr kumimoji="1" lang="en-US" altLang="zh-TW" dirty="0">
+                <a:latin typeface="BiauKai" panose="02010601000101010101" pitchFamily="2" charset="-120"/>
+                <a:ea typeface="BiauKai" panose="02010601000101010101" pitchFamily="2" charset="-120"/>
+              </a:rPr>
+              <a:t>– </a:t>
+            </a:r>
+            <a:r>
+              <a:rPr kumimoji="1" lang="zh-TW" altLang="en-US" dirty="0">
+                <a:latin typeface="BiauKai" panose="02010601000101010101" pitchFamily="2" charset="-120"/>
+                <a:ea typeface="BiauKai" panose="02010601000101010101" pitchFamily="2" charset="-120"/>
+              </a:rPr>
+              <a:t>矮人玩家</a:t>
+            </a:r>
+          </a:p>
+        </p:txBody>
+      </p:sp>
+      <p:sp>
+        <p:nvSpPr>
+          <p:cNvPr id="4" name="內容版面配置區 2">
+            <a:extLst>
+              <a:ext uri="{FF2B5EF4-FFF2-40B4-BE49-F238E27FC236}">
+                <a16:creationId xmlns:a16="http://schemas.microsoft.com/office/drawing/2014/main" id="{8B29FDFB-9AC4-6087-95BB-E32F67A2D4A7}"/>
+              </a:ext>
+            </a:extLst>
+          </p:cNvPr>
+          <p:cNvSpPr>
+            <a:spLocks noGrp="1"/>
+          </p:cNvSpPr>
+          <p:nvPr>
+            <p:ph idx="1"/>
+          </p:nvPr>
+        </p:nvSpPr>
+        <p:spPr>
+          <a:xfrm>
+            <a:off x="838200" y="1825625"/>
+            <a:ext cx="10515600" cy="4351338"/>
+          </a:xfrm>
+        </p:spPr>
+        <p:txBody>
+          <a:bodyPr>
+            <a:normAutofit/>
+          </a:bodyPr>
+          <a:lstStyle/>
+          <a:p>
+            <a:r>
+              <a:rPr kumimoji="1" lang="zh-TW" altLang="en-US" sz="2200" dirty="0">
+                <a:latin typeface="BiauKai" panose="02010601000101010101" pitchFamily="2" charset="-120"/>
+                <a:ea typeface="BiauKai" panose="02010601000101010101" pitchFamily="2" charset="-120"/>
+              </a:rPr>
+              <a:t>案例</a:t>
+            </a:r>
+            <a:r>
+              <a:rPr kumimoji="1" lang="en-US" altLang="zh-TW" sz="2200" dirty="0">
+                <a:latin typeface="BiauKai" panose="02010601000101010101" pitchFamily="2" charset="-120"/>
+                <a:ea typeface="BiauKai" panose="02010601000101010101" pitchFamily="2" charset="-120"/>
+              </a:rPr>
+              <a:t>1</a:t>
+            </a:r>
+            <a:r>
+              <a:rPr kumimoji="1" lang="zh-TW" altLang="en-US" sz="2200" dirty="0">
+                <a:latin typeface="BiauKai" panose="02010601000101010101" pitchFamily="2" charset="-120"/>
+                <a:ea typeface="BiauKai" panose="02010601000101010101" pitchFamily="2" charset="-120"/>
+              </a:rPr>
+              <a:t>：傷害值為</a:t>
+            </a:r>
+            <a:r>
+              <a:rPr kumimoji="1" lang="en-US" altLang="zh-TW" sz="2200" dirty="0">
+                <a:latin typeface="BiauKai" panose="02010601000101010101" pitchFamily="2" charset="-120"/>
+                <a:ea typeface="BiauKai" panose="02010601000101010101" pitchFamily="2" charset="-120"/>
+              </a:rPr>
+              <a:t>4</a:t>
+            </a:r>
+            <a:r>
+              <a:rPr kumimoji="1" lang="zh-TW" altLang="en-US" sz="2200" dirty="0">
+                <a:latin typeface="BiauKai" panose="02010601000101010101" pitchFamily="2" charset="-120"/>
+                <a:ea typeface="BiauKai" panose="02010601000101010101" pitchFamily="2" charset="-120"/>
+              </a:rPr>
+              <a:t>｜預期結果：正確</a:t>
+            </a:r>
+          </a:p>
+        </p:txBody>
+      </p:sp>
+    </p:spTree>
+    <p:extLst>
+      <p:ext uri="{BB962C8B-B14F-4D97-AF65-F5344CB8AC3E}">
+        <p14:creationId xmlns:p14="http://schemas.microsoft.com/office/powerpoint/2010/main" val="2048140016"/>
+      </p:ext>
+    </p:extLst>
+  </p:cSld>
+  <p:clrMapOvr>
+    <a:masterClrMapping/>
+  </p:clrMapOvr>
+</p:sld>
+</file>
+
+<file path=ppt/slides/slide18.xml><?xml version="1.0" encoding="utf-8"?>
+<p:sld xmlns:a="http://schemas.openxmlformats.org/drawingml/2006/main" xmlns:r="http://schemas.openxmlformats.org/officeDocument/2006/relationships" xmlns:p="http://schemas.openxmlformats.org/presentationml/2006/main">
+  <p:cSld>
+    <p:spTree>
+      <p:nvGrpSpPr>
+        <p:cNvPr id="1" name=""/>
+        <p:cNvGrpSpPr/>
+        <p:nvPr/>
+      </p:nvGrpSpPr>
+      <p:grpSpPr>
+        <a:xfrm>
+          <a:off x="0" y="0"/>
+          <a:ext cx="0" cy="0"/>
+          <a:chOff x="0" y="0"/>
+          <a:chExt cx="0" cy="0"/>
+        </a:xfrm>
+      </p:grpSpPr>
+      <p:sp>
+        <p:nvSpPr>
+          <p:cNvPr id="2" name="標題 1">
+            <a:extLst>
+              <a:ext uri="{FF2B5EF4-FFF2-40B4-BE49-F238E27FC236}">
+                <a16:creationId xmlns:a16="http://schemas.microsoft.com/office/drawing/2014/main" id="{B145690C-84AF-71B5-2D89-C5F6F89633BF}"/>
+              </a:ext>
+            </a:extLst>
+          </p:cNvPr>
+          <p:cNvSpPr>
+            <a:spLocks noGrp="1"/>
+          </p:cNvSpPr>
+          <p:nvPr>
+            <p:ph type="title"/>
+          </p:nvPr>
+        </p:nvSpPr>
+        <p:spPr/>
+        <p:txBody>
+          <a:bodyPr/>
+          <a:lstStyle/>
+          <a:p>
+            <a:r>
+              <a:rPr kumimoji="1" lang="zh-TW" altLang="en-US" dirty="0">
+                <a:latin typeface="BiauKai" panose="02010601000101010101" pitchFamily="2" charset="-120"/>
+                <a:ea typeface="BiauKai" panose="02010601000101010101" pitchFamily="2" charset="-120"/>
+              </a:rPr>
+              <a:t>測試對象與案例 </a:t>
+            </a:r>
+            <a:r>
+              <a:rPr kumimoji="1" lang="en-US" altLang="zh-TW" dirty="0">
+                <a:latin typeface="BiauKai" panose="02010601000101010101" pitchFamily="2" charset="-120"/>
+                <a:ea typeface="BiauKai" panose="02010601000101010101" pitchFamily="2" charset="-120"/>
+              </a:rPr>
+              <a:t>– </a:t>
+            </a:r>
+            <a:r>
+              <a:rPr kumimoji="1" lang="zh-TW" altLang="en-US" dirty="0">
+                <a:latin typeface="BiauKai" panose="02010601000101010101" pitchFamily="2" charset="-120"/>
+                <a:ea typeface="BiauKai" panose="02010601000101010101" pitchFamily="2" charset="-120"/>
+              </a:rPr>
+              <a:t>資源生成器</a:t>
+            </a:r>
+          </a:p>
+        </p:txBody>
+      </p:sp>
+      <p:sp>
+        <p:nvSpPr>
+          <p:cNvPr id="3" name="內容版面配置區 2">
+            <a:extLst>
+              <a:ext uri="{FF2B5EF4-FFF2-40B4-BE49-F238E27FC236}">
+                <a16:creationId xmlns:a16="http://schemas.microsoft.com/office/drawing/2014/main" id="{5329A0A2-AE7F-94DE-F0D0-38D4F84186D2}"/>
+              </a:ext>
+            </a:extLst>
+          </p:cNvPr>
+          <p:cNvSpPr>
+            <a:spLocks noGrp="1"/>
+          </p:cNvSpPr>
+          <p:nvPr>
+            <p:ph idx="1"/>
+          </p:nvPr>
+        </p:nvSpPr>
+        <p:spPr>
+          <a:xfrm>
+            <a:off x="838200" y="1825625"/>
+            <a:ext cx="10515600" cy="4351338"/>
+          </a:xfrm>
+        </p:spPr>
+        <p:txBody>
+          <a:bodyPr>
+            <a:normAutofit/>
+          </a:bodyPr>
+          <a:lstStyle/>
+          <a:p>
+            <a:r>
+              <a:rPr kumimoji="1" lang="zh-TW" altLang="en-US" sz="2200" dirty="0">
+                <a:latin typeface="BiauKai" panose="02010601000101010101" pitchFamily="2" charset="-120"/>
+                <a:ea typeface="BiauKai" panose="02010601000101010101" pitchFamily="2" charset="-120"/>
+              </a:rPr>
+              <a:t>案例</a:t>
+            </a:r>
+            <a:r>
+              <a:rPr kumimoji="1" lang="en-US" altLang="zh-TW" sz="2200" dirty="0">
+                <a:latin typeface="BiauKai" panose="02010601000101010101" pitchFamily="2" charset="-120"/>
+                <a:ea typeface="BiauKai" panose="02010601000101010101" pitchFamily="2" charset="-120"/>
+              </a:rPr>
+              <a:t>1</a:t>
+            </a:r>
+            <a:r>
+              <a:rPr kumimoji="1" lang="zh-TW" altLang="en-US" sz="2200" dirty="0">
+                <a:latin typeface="BiauKai" panose="02010601000101010101" pitchFamily="2" charset="-120"/>
+                <a:ea typeface="BiauKai" panose="02010601000101010101" pitchFamily="2" charset="-120"/>
+              </a:rPr>
+              <a:t>：可新增木頭數量</a:t>
+            </a:r>
+            <a:r>
+              <a:rPr kumimoji="1" lang="en-US" altLang="zh-TW" sz="2200" dirty="0">
+                <a:latin typeface="BiauKai" panose="02010601000101010101" pitchFamily="2" charset="-120"/>
+                <a:ea typeface="BiauKai" panose="02010601000101010101" pitchFamily="2" charset="-120"/>
+              </a:rPr>
+              <a:t>n</a:t>
+            </a:r>
+            <a:r>
+              <a:rPr kumimoji="1" lang="zh-TW" altLang="en-US" sz="2200" dirty="0">
+                <a:latin typeface="BiauKai" panose="02010601000101010101" pitchFamily="2" charset="-120"/>
+                <a:ea typeface="BiauKai" panose="02010601000101010101" pitchFamily="2" charset="-120"/>
+              </a:rPr>
+              <a:t>個｜預期結果：當前數量</a:t>
+            </a:r>
+            <a:r>
+              <a:rPr kumimoji="1" lang="en-US" altLang="zh-TW" sz="2200" dirty="0">
+                <a:latin typeface="BiauKai" panose="02010601000101010101" pitchFamily="2" charset="-120"/>
+                <a:ea typeface="BiauKai" panose="02010601000101010101" pitchFamily="2" charset="-120"/>
+              </a:rPr>
+              <a:t>+n</a:t>
+            </a:r>
+          </a:p>
+          <a:p>
+            <a:r>
+              <a:rPr kumimoji="1" lang="zh-TW" altLang="en-US" sz="2200" dirty="0">
+                <a:latin typeface="BiauKai" panose="02010601000101010101" pitchFamily="2" charset="-120"/>
+                <a:ea typeface="BiauKai" panose="02010601000101010101" pitchFamily="2" charset="-120"/>
+              </a:rPr>
+              <a:t>案例</a:t>
+            </a:r>
+            <a:r>
+              <a:rPr kumimoji="1" lang="en-US" altLang="zh-TW" sz="2200" dirty="0">
+                <a:latin typeface="BiauKai" panose="02010601000101010101" pitchFamily="2" charset="-120"/>
+                <a:ea typeface="BiauKai" panose="02010601000101010101" pitchFamily="2" charset="-120"/>
+              </a:rPr>
+              <a:t>2</a:t>
+            </a:r>
+            <a:r>
+              <a:rPr kumimoji="1" lang="zh-TW" altLang="en-US" sz="2200" dirty="0">
+                <a:latin typeface="BiauKai" panose="02010601000101010101" pitchFamily="2" charset="-120"/>
+                <a:ea typeface="BiauKai" panose="02010601000101010101" pitchFamily="2" charset="-120"/>
+              </a:rPr>
+              <a:t>：可新增金錢數量</a:t>
+            </a:r>
+            <a:r>
+              <a:rPr kumimoji="1" lang="en-US" altLang="zh-TW" sz="2200" dirty="0">
+                <a:latin typeface="BiauKai" panose="02010601000101010101" pitchFamily="2" charset="-120"/>
+                <a:ea typeface="BiauKai" panose="02010601000101010101" pitchFamily="2" charset="-120"/>
+              </a:rPr>
+              <a:t>n</a:t>
+            </a:r>
+            <a:r>
+              <a:rPr kumimoji="1" lang="zh-TW" altLang="en-US" sz="2200" dirty="0">
+                <a:latin typeface="BiauKai" panose="02010601000101010101" pitchFamily="2" charset="-120"/>
+                <a:ea typeface="BiauKai" panose="02010601000101010101" pitchFamily="2" charset="-120"/>
+              </a:rPr>
+              <a:t>個｜預期結果：當前數量</a:t>
+            </a:r>
+            <a:r>
+              <a:rPr kumimoji="1" lang="en-US" altLang="zh-TW" sz="2200" dirty="0">
+                <a:latin typeface="BiauKai" panose="02010601000101010101" pitchFamily="2" charset="-120"/>
+                <a:ea typeface="BiauKai" panose="02010601000101010101" pitchFamily="2" charset="-120"/>
+              </a:rPr>
+              <a:t>+n</a:t>
+            </a:r>
+          </a:p>
+          <a:p>
+            <a:r>
+              <a:rPr kumimoji="1" lang="zh-TW" altLang="en-US" sz="2200" dirty="0">
+                <a:latin typeface="BiauKai" panose="02010601000101010101" pitchFamily="2" charset="-120"/>
+                <a:ea typeface="BiauKai" panose="02010601000101010101" pitchFamily="2" charset="-120"/>
+              </a:rPr>
+              <a:t>案例</a:t>
+            </a:r>
+            <a:r>
+              <a:rPr kumimoji="1" lang="en-US" altLang="zh-TW" sz="2200" dirty="0">
+                <a:latin typeface="BiauKai" panose="02010601000101010101" pitchFamily="2" charset="-120"/>
+                <a:ea typeface="BiauKai" panose="02010601000101010101" pitchFamily="2" charset="-120"/>
+              </a:rPr>
+              <a:t>3</a:t>
+            </a:r>
+            <a:r>
+              <a:rPr kumimoji="1" lang="zh-TW" altLang="en-US" sz="2200" dirty="0">
+                <a:latin typeface="BiauKai" panose="02010601000101010101" pitchFamily="2" charset="-120"/>
+                <a:ea typeface="BiauKai" panose="02010601000101010101" pitchFamily="2" charset="-120"/>
+              </a:rPr>
+              <a:t>：可初始化資源數量｜預期結果：木頭數量</a:t>
+            </a:r>
+            <a:r>
+              <a:rPr kumimoji="1" lang="en-US" altLang="zh-TW" sz="2200" dirty="0">
+                <a:latin typeface="BiauKai" panose="02010601000101010101" pitchFamily="2" charset="-120"/>
+                <a:ea typeface="BiauKai" panose="02010601000101010101" pitchFamily="2" charset="-120"/>
+              </a:rPr>
+              <a:t>0</a:t>
+            </a:r>
+            <a:r>
+              <a:rPr kumimoji="1" lang="zh-TW" altLang="en-US" sz="2200" dirty="0">
+                <a:latin typeface="BiauKai" panose="02010601000101010101" pitchFamily="2" charset="-120"/>
+                <a:ea typeface="BiauKai" panose="02010601000101010101" pitchFamily="2" charset="-120"/>
+              </a:rPr>
+              <a:t>、金錢數量</a:t>
+            </a:r>
+            <a:r>
+              <a:rPr kumimoji="1" lang="en-US" altLang="zh-TW" sz="2200" dirty="0">
+                <a:latin typeface="BiauKai" panose="02010601000101010101" pitchFamily="2" charset="-120"/>
+                <a:ea typeface="BiauKai" panose="02010601000101010101" pitchFamily="2" charset="-120"/>
+              </a:rPr>
+              <a:t>0</a:t>
+            </a:r>
+          </a:p>
+        </p:txBody>
+      </p:sp>
+    </p:spTree>
+    <p:extLst>
+      <p:ext uri="{BB962C8B-B14F-4D97-AF65-F5344CB8AC3E}">
+        <p14:creationId xmlns:p14="http://schemas.microsoft.com/office/powerpoint/2010/main" val="2686452517"/>
+      </p:ext>
+    </p:extLst>
+  </p:cSld>
+  <p:clrMapOvr>
+    <a:masterClrMapping/>
+  </p:clrMapOvr>
+</p:sld>
+</file>
+
+<file path=ppt/slides/slide19.xml><?xml version="1.0" encoding="utf-8"?>
+<p:sld xmlns:a="http://schemas.openxmlformats.org/drawingml/2006/main" xmlns:r="http://schemas.openxmlformats.org/officeDocument/2006/relationships" xmlns:p="http://schemas.openxmlformats.org/presentationml/2006/main">
+  <p:cSld>
+    <p:spTree>
+      <p:nvGrpSpPr>
+        <p:cNvPr id="1" name=""/>
+        <p:cNvGrpSpPr/>
+        <p:nvPr/>
+      </p:nvGrpSpPr>
+      <p:grpSpPr>
+        <a:xfrm>
+          <a:off x="0" y="0"/>
+          <a:ext cx="0" cy="0"/>
+          <a:chOff x="0" y="0"/>
+          <a:chExt cx="0" cy="0"/>
+        </a:xfrm>
+      </p:grpSpPr>
+      <p:sp>
+        <p:nvSpPr>
+          <p:cNvPr id="2" name="標題 1">
+            <a:extLst>
+              <a:ext uri="{FF2B5EF4-FFF2-40B4-BE49-F238E27FC236}">
+                <a16:creationId xmlns:a16="http://schemas.microsoft.com/office/drawing/2014/main" id="{B145690C-84AF-71B5-2D89-C5F6F89633BF}"/>
+              </a:ext>
+            </a:extLst>
+          </p:cNvPr>
+          <p:cNvSpPr>
+            <a:spLocks noGrp="1"/>
+          </p:cNvSpPr>
+          <p:nvPr>
+            <p:ph type="title"/>
+          </p:nvPr>
+        </p:nvSpPr>
+        <p:spPr/>
+        <p:txBody>
+          <a:bodyPr/>
+          <a:lstStyle/>
+          <a:p>
+            <a:r>
+              <a:rPr kumimoji="1" lang="zh-TW" altLang="en-US" dirty="0">
+                <a:latin typeface="BiauKai" panose="02010601000101010101" pitchFamily="2" charset="-120"/>
+                <a:ea typeface="BiauKai" panose="02010601000101010101" pitchFamily="2" charset="-120"/>
+              </a:rPr>
+              <a:t>測試結果</a:t>
+            </a:r>
+          </a:p>
+        </p:txBody>
+      </p:sp>
+      <p:pic>
+        <p:nvPicPr>
+          <p:cNvPr id="5" name="圖片 4">
+            <a:extLst>
+              <a:ext uri="{FF2B5EF4-FFF2-40B4-BE49-F238E27FC236}">
+                <a16:creationId xmlns:a16="http://schemas.microsoft.com/office/drawing/2014/main" id="{E8811D11-9B03-F62E-D57A-C12D76635D1A}"/>
+              </a:ext>
+            </a:extLst>
+          </p:cNvPr>
+          <p:cNvPicPr>
+            <a:picLocks noChangeAspect="1"/>
+          </p:cNvPicPr>
+          <p:nvPr/>
+        </p:nvPicPr>
+        <p:blipFill>
+          <a:blip r:embed="rId2"/>
+          <a:stretch>
+            <a:fillRect/>
+          </a:stretch>
+        </p:blipFill>
+        <p:spPr>
+          <a:xfrm>
+            <a:off x="3978275" y="1548407"/>
+            <a:ext cx="4235450" cy="4944468"/>
           </a:xfrm>
           <a:prstGeom prst="rect">
             <a:avLst/>
           </a:prstGeom>
-          <a:noFill/>
         </p:spPr>
-        <p:txBody>
-          <a:bodyPr wrap="none" rtlCol="0">
-            <a:spAutoFit/>
-          </a:bodyPr>
-          <a:lstStyle/>
-          <a:p>
-            <a:pPr algn="ctr"/>
-            <a:r>
-              <a:rPr kumimoji="1" lang="zh-TW" altLang="en-US" sz="4800" dirty="0">
-                <a:latin typeface="BiauKai" panose="02010601000101010101" pitchFamily="2" charset="-120"/>
-                <a:ea typeface="BiauKai" panose="02010601000101010101" pitchFamily="2" charset="-120"/>
-              </a:rPr>
-              <a:t>謝謝大家的聆聽</a:t>
-            </a:r>
-          </a:p>
-        </p:txBody>
-      </p:sp>
+      </p:pic>
     </p:spTree>
     <p:extLst>
       <p:ext uri="{BB962C8B-B14F-4D97-AF65-F5344CB8AC3E}">
-        <p14:creationId xmlns:p14="http://schemas.microsoft.com/office/powerpoint/2010/main" val="3332853970"/>
+        <p14:creationId xmlns:p14="http://schemas.microsoft.com/office/powerpoint/2010/main" val="3972357806"/>
       </p:ext>
     </p:extLst>
   </p:cSld>
@@ -4063,6 +5685,75 @@
     <p:extLst>
       <p:ext uri="{BB962C8B-B14F-4D97-AF65-F5344CB8AC3E}">
         <p14:creationId xmlns:p14="http://schemas.microsoft.com/office/powerpoint/2010/main" val="2623613457"/>
+      </p:ext>
+    </p:extLst>
+  </p:cSld>
+  <p:clrMapOvr>
+    <a:masterClrMapping/>
+  </p:clrMapOvr>
+</p:sld>
+</file>
+
+<file path=ppt/slides/slide20.xml><?xml version="1.0" encoding="utf-8"?>
+<p:sld xmlns:a="http://schemas.openxmlformats.org/drawingml/2006/main" xmlns:r="http://schemas.openxmlformats.org/officeDocument/2006/relationships" xmlns:p="http://schemas.openxmlformats.org/presentationml/2006/main">
+  <p:cSld>
+    <p:spTree>
+      <p:nvGrpSpPr>
+        <p:cNvPr id="1" name=""/>
+        <p:cNvGrpSpPr/>
+        <p:nvPr/>
+      </p:nvGrpSpPr>
+      <p:grpSpPr>
+        <a:xfrm>
+          <a:off x="0" y="0"/>
+          <a:ext cx="0" cy="0"/>
+          <a:chOff x="0" y="0"/>
+          <a:chExt cx="0" cy="0"/>
+        </a:xfrm>
+      </p:grpSpPr>
+      <p:sp>
+        <p:nvSpPr>
+          <p:cNvPr id="2" name="文字方塊 1">
+            <a:extLst>
+              <a:ext uri="{FF2B5EF4-FFF2-40B4-BE49-F238E27FC236}">
+                <a16:creationId xmlns:a16="http://schemas.microsoft.com/office/drawing/2014/main" id="{6EFA75AB-177E-8C2C-D170-794374406E89}"/>
+              </a:ext>
+            </a:extLst>
+          </p:cNvPr>
+          <p:cNvSpPr txBox="1"/>
+          <p:nvPr/>
+        </p:nvSpPr>
+        <p:spPr>
+          <a:xfrm>
+            <a:off x="3849234" y="3013501"/>
+            <a:ext cx="4493538" cy="830997"/>
+          </a:xfrm>
+          <a:prstGeom prst="rect">
+            <a:avLst/>
+          </a:prstGeom>
+          <a:noFill/>
+        </p:spPr>
+        <p:txBody>
+          <a:bodyPr wrap="none" rtlCol="0">
+            <a:spAutoFit/>
+          </a:bodyPr>
+          <a:lstStyle/>
+          <a:p>
+            <a:pPr algn="ctr"/>
+            <a:r>
+              <a:rPr kumimoji="1" lang="zh-TW" altLang="en-US" sz="4800" dirty="0">
+                <a:latin typeface="BiauKai" panose="02010601000101010101" pitchFamily="2" charset="-120"/>
+                <a:ea typeface="BiauKai" panose="02010601000101010101" pitchFamily="2" charset="-120"/>
+              </a:rPr>
+              <a:t>謝謝大家的聆聽</a:t>
+            </a:r>
+          </a:p>
+        </p:txBody>
+      </p:sp>
+    </p:spTree>
+    <p:extLst>
+      <p:ext uri="{BB962C8B-B14F-4D97-AF65-F5344CB8AC3E}">
+        <p14:creationId xmlns:p14="http://schemas.microsoft.com/office/powerpoint/2010/main" val="3332853970"/>
       </p:ext>
     </p:extLst>
   </p:cSld>
@@ -4644,31 +6335,35 @@
           </a:p>
         </p:txBody>
       </p:sp>
-      <p:sp>
-        <p:nvSpPr>
-          <p:cNvPr id="3" name="內容版面配置區 2">
-            <a:extLst>
-              <a:ext uri="{FF2B5EF4-FFF2-40B4-BE49-F238E27FC236}">
-                <a16:creationId xmlns:a16="http://schemas.microsoft.com/office/drawing/2014/main" id="{1250EF77-4ED0-2FFF-06CC-824E89FB55CB}"/>
-              </a:ext>
-            </a:extLst>
-          </p:cNvPr>
-          <p:cNvSpPr>
-            <a:spLocks noGrp="1"/>
-          </p:cNvSpPr>
+      <p:pic>
+        <p:nvPicPr>
+          <p:cNvPr id="5" name="內容版面配置區 4">
+            <a:extLst>
+              <a:ext uri="{FF2B5EF4-FFF2-40B4-BE49-F238E27FC236}">
+                <a16:creationId xmlns:a16="http://schemas.microsoft.com/office/drawing/2014/main" id="{B1D31E5F-EDC2-B1EB-D6CE-1BCFEAC81854}"/>
+              </a:ext>
+            </a:extLst>
+          </p:cNvPr>
+          <p:cNvPicPr>
+            <a:picLocks noGrp="1" noChangeAspect="1"/>
+          </p:cNvPicPr>
           <p:nvPr>
             <p:ph idx="1"/>
           </p:nvPr>
-        </p:nvSpPr>
-        <p:spPr/>
-        <p:txBody>
-          <a:bodyPr/>
-          <a:lstStyle/>
-          <a:p>
-            <a:endParaRPr kumimoji="1" lang="zh-TW" altLang="en-US" dirty="0"/>
-          </a:p>
-        </p:txBody>
-      </p:sp>
+        </p:nvPicPr>
+        <p:blipFill>
+          <a:blip r:embed="rId2"/>
+          <a:stretch>
+            <a:fillRect/>
+          </a:stretch>
+        </p:blipFill>
+        <p:spPr>
+          <a:xfrm>
+            <a:off x="2050793" y="1690688"/>
+            <a:ext cx="8090414" cy="4769086"/>
+          </a:xfrm>
+        </p:spPr>
+      </p:pic>
     </p:spTree>
     <p:extLst>
       <p:ext uri="{BB962C8B-B14F-4D97-AF65-F5344CB8AC3E}">
@@ -4739,17 +6434,17 @@
                 <a:latin typeface="BiauKai" panose="02010601000101010101" pitchFamily="2" charset="-120"/>
                 <a:ea typeface="BiauKai" panose="02010601000101010101" pitchFamily="2" charset="-120"/>
               </a:rPr>
-              <a:t>玩家</a:t>
-            </a:r>
-          </a:p>
-        </p:txBody>
-      </p:sp>
-      <p:sp>
-        <p:nvSpPr>
-          <p:cNvPr id="4" name="內容版面配置區 2">
-            <a:extLst>
-              <a:ext uri="{FF2B5EF4-FFF2-40B4-BE49-F238E27FC236}">
-                <a16:creationId xmlns:a16="http://schemas.microsoft.com/office/drawing/2014/main" id="{8B29FDFB-9AC4-6087-95BB-E32F67A2D4A7}"/>
+              <a:t>建築物工廠</a:t>
+            </a:r>
+          </a:p>
+        </p:txBody>
+      </p:sp>
+      <p:sp>
+        <p:nvSpPr>
+          <p:cNvPr id="3" name="內容版面配置區 2">
+            <a:extLst>
+              <a:ext uri="{FF2B5EF4-FFF2-40B4-BE49-F238E27FC236}">
+                <a16:creationId xmlns:a16="http://schemas.microsoft.com/office/drawing/2014/main" id="{B91556F9-418D-49A1-EA5F-0C63C146214A}"/>
               </a:ext>
             </a:extLst>
           </p:cNvPr>
@@ -4777,21 +6472,35 @@
                 <a:latin typeface="BiauKai" panose="02010601000101010101" pitchFamily="2" charset="-120"/>
                 <a:ea typeface="BiauKai" panose="02010601000101010101" pitchFamily="2" charset="-120"/>
               </a:rPr>
-              <a:t>案例：精靈族的傷害值為</a:t>
+              <a:t>案例</a:t>
             </a:r>
             <a:r>
               <a:rPr kumimoji="1" lang="en-US" altLang="zh-TW" sz="2200" dirty="0">
                 <a:latin typeface="BiauKai" panose="02010601000101010101" pitchFamily="2" charset="-120"/>
                 <a:ea typeface="BiauKai" panose="02010601000101010101" pitchFamily="2" charset="-120"/>
               </a:rPr>
-              <a:t>5</a:t>
-            </a:r>
-            <a:r>
-              <a:rPr kumimoji="1" lang="zh-TW" altLang="en-US" sz="2200" dirty="0">
-                <a:latin typeface="BiauKai" panose="02010601000101010101" pitchFamily="2" charset="-120"/>
-                <a:ea typeface="BiauKai" panose="02010601000101010101" pitchFamily="2" charset="-120"/>
-              </a:rPr>
-              <a:t>｜預期結果：正確</a:t>
+              <a:t>1</a:t>
+            </a:r>
+            <a:r>
+              <a:rPr kumimoji="1" lang="zh-TW" altLang="en-US" sz="2200" dirty="0">
+                <a:latin typeface="BiauKai" panose="02010601000101010101" pitchFamily="2" charset="-120"/>
+                <a:ea typeface="BiauKai" panose="02010601000101010101" pitchFamily="2" charset="-120"/>
+              </a:rPr>
+              <a:t>：木頭數量達</a:t>
+            </a:r>
+            <a:r>
+              <a:rPr kumimoji="1" lang="en-US" altLang="zh-TW" sz="2200" dirty="0">
+                <a:latin typeface="BiauKai" panose="02010601000101010101" pitchFamily="2" charset="-120"/>
+                <a:ea typeface="BiauKai" panose="02010601000101010101" pitchFamily="2" charset="-120"/>
+              </a:rPr>
+              <a:t>100</a:t>
+            </a:r>
+            <a:r>
+              <a:rPr kumimoji="1" lang="zh-TW" altLang="en-US" sz="2200" dirty="0">
+                <a:latin typeface="BiauKai" panose="02010601000101010101" pitchFamily="2" charset="-120"/>
+                <a:ea typeface="BiauKai" panose="02010601000101010101" pitchFamily="2" charset="-120"/>
+              </a:rPr>
+              <a:t>，建立普通建築物｜預期結果：成功</a:t>
             </a:r>
             <a:endParaRPr kumimoji="1" lang="en-US" altLang="zh-TW" sz="2200" dirty="0">
               <a:latin typeface="BiauKai" panose="02010601000101010101" pitchFamily="2" charset="-120"/>
@@ -4804,21 +6513,35 @@
                 <a:latin typeface="BiauKai" panose="02010601000101010101" pitchFamily="2" charset="-120"/>
                 <a:ea typeface="BiauKai" panose="02010601000101010101" pitchFamily="2" charset="-120"/>
               </a:rPr>
-              <a:t>案例：人族的傷害值為</a:t>
+              <a:t>案例</a:t>
             </a:r>
             <a:r>
               <a:rPr kumimoji="1" lang="en-US" altLang="zh-TW" sz="2200" dirty="0">
                 <a:latin typeface="BiauKai" panose="02010601000101010101" pitchFamily="2" charset="-120"/>
                 <a:ea typeface="BiauKai" panose="02010601000101010101" pitchFamily="2" charset="-120"/>
               </a:rPr>
-              <a:t>5</a:t>
-            </a:r>
-            <a:r>
-              <a:rPr kumimoji="1" lang="zh-TW" altLang="en-US" sz="2200" dirty="0">
-                <a:latin typeface="BiauKai" panose="02010601000101010101" pitchFamily="2" charset="-120"/>
-                <a:ea typeface="BiauKai" panose="02010601000101010101" pitchFamily="2" charset="-120"/>
-              </a:rPr>
-              <a:t>｜預期結果：正確</a:t>
+              <a:t>2</a:t>
+            </a:r>
+            <a:r>
+              <a:rPr kumimoji="1" lang="zh-TW" altLang="en-US" sz="2200" dirty="0">
+                <a:latin typeface="BiauKai" panose="02010601000101010101" pitchFamily="2" charset="-120"/>
+                <a:ea typeface="BiauKai" panose="02010601000101010101" pitchFamily="2" charset="-120"/>
+              </a:rPr>
+              <a:t>：木頭數量未達</a:t>
+            </a:r>
+            <a:r>
+              <a:rPr kumimoji="1" lang="en-US" altLang="zh-TW" sz="2200" dirty="0">
+                <a:latin typeface="BiauKai" panose="02010601000101010101" pitchFamily="2" charset="-120"/>
+                <a:ea typeface="BiauKai" panose="02010601000101010101" pitchFamily="2" charset="-120"/>
+              </a:rPr>
+              <a:t>100</a:t>
+            </a:r>
+            <a:r>
+              <a:rPr kumimoji="1" lang="zh-TW" altLang="en-US" sz="2200" dirty="0">
+                <a:latin typeface="BiauKai" panose="02010601000101010101" pitchFamily="2" charset="-120"/>
+                <a:ea typeface="BiauKai" panose="02010601000101010101" pitchFamily="2" charset="-120"/>
+              </a:rPr>
+              <a:t>，建立普通建築物｜預期結果：失敗</a:t>
             </a:r>
             <a:endParaRPr kumimoji="1" lang="en-US" altLang="zh-TW" sz="2200" dirty="0">
               <a:latin typeface="BiauKai" panose="02010601000101010101" pitchFamily="2" charset="-120"/>
@@ -4831,13 +6554,64 @@
                 <a:latin typeface="BiauKai" panose="02010601000101010101" pitchFamily="2" charset="-120"/>
                 <a:ea typeface="BiauKai" panose="02010601000101010101" pitchFamily="2" charset="-120"/>
               </a:rPr>
-              <a:t>案例：矮人族的傷害值為</a:t>
+              <a:t>案例</a:t>
             </a:r>
             <a:r>
               <a:rPr kumimoji="1" lang="en-US" altLang="zh-TW" sz="2200" dirty="0">
                 <a:latin typeface="BiauKai" panose="02010601000101010101" pitchFamily="2" charset="-120"/>
                 <a:ea typeface="BiauKai" panose="02010601000101010101" pitchFamily="2" charset="-120"/>
               </a:rPr>
+              <a:t>3</a:t>
+            </a:r>
+            <a:r>
+              <a:rPr kumimoji="1" lang="zh-TW" altLang="en-US" sz="2200" dirty="0">
+                <a:latin typeface="BiauKai" panose="02010601000101010101" pitchFamily="2" charset="-120"/>
+                <a:ea typeface="BiauKai" panose="02010601000101010101" pitchFamily="2" charset="-120"/>
+              </a:rPr>
+              <a:t>：木頭數量達</a:t>
+            </a:r>
+            <a:r>
+              <a:rPr kumimoji="1" lang="en-US" altLang="zh-TW" sz="2200" dirty="0">
+                <a:latin typeface="BiauKai" panose="02010601000101010101" pitchFamily="2" charset="-120"/>
+                <a:ea typeface="BiauKai" panose="02010601000101010101" pitchFamily="2" charset="-120"/>
+              </a:rPr>
+              <a:t>250</a:t>
+            </a:r>
+            <a:r>
+              <a:rPr kumimoji="1" lang="zh-TW" altLang="en-US" sz="2200" dirty="0">
+                <a:latin typeface="BiauKai" panose="02010601000101010101" pitchFamily="2" charset="-120"/>
+                <a:ea typeface="BiauKai" panose="02010601000101010101" pitchFamily="2" charset="-120"/>
+              </a:rPr>
+              <a:t>與金錢數量達</a:t>
+            </a:r>
+            <a:r>
+              <a:rPr kumimoji="1" lang="en-US" altLang="zh-TW" sz="2200" dirty="0">
+                <a:latin typeface="BiauKai" panose="02010601000101010101" pitchFamily="2" charset="-120"/>
+                <a:ea typeface="BiauKai" panose="02010601000101010101" pitchFamily="2" charset="-120"/>
+              </a:rPr>
+              <a:t>50</a:t>
+            </a:r>
+            <a:r>
+              <a:rPr kumimoji="1" lang="zh-TW" altLang="en-US" sz="2200" dirty="0">
+                <a:latin typeface="BiauKai" panose="02010601000101010101" pitchFamily="2" charset="-120"/>
+                <a:ea typeface="BiauKai" panose="02010601000101010101" pitchFamily="2" charset="-120"/>
+              </a:rPr>
+              <a:t>，建立堅固建築物｜預期結果：成功</a:t>
+            </a:r>
+          </a:p>
+          <a:p>
+            <a:r>
+              <a:rPr kumimoji="1" lang="zh-TW" altLang="en-US" sz="2200" dirty="0">
+                <a:latin typeface="BiauKai" panose="02010601000101010101" pitchFamily="2" charset="-120"/>
+                <a:ea typeface="BiauKai" panose="02010601000101010101" pitchFamily="2" charset="-120"/>
+              </a:rPr>
+              <a:t>案例</a:t>
+            </a:r>
+            <a:r>
+              <a:rPr kumimoji="1" lang="en-US" altLang="zh-TW" sz="2200" dirty="0">
+                <a:latin typeface="BiauKai" panose="02010601000101010101" pitchFamily="2" charset="-120"/>
+                <a:ea typeface="BiauKai" panose="02010601000101010101" pitchFamily="2" charset="-120"/>
+              </a:rPr>
               <a:t>4</a:t>
             </a:r>
             <a:r>
@@ -4845,16 +6619,35 @@
                 <a:latin typeface="BiauKai" panose="02010601000101010101" pitchFamily="2" charset="-120"/>
                 <a:ea typeface="BiauKai" panose="02010601000101010101" pitchFamily="2" charset="-120"/>
               </a:rPr>
-              <a:t>｜預期結果：正確</a:t>
-            </a:r>
-          </a:p>
-          <a:p>
-            <a:r>
-              <a:rPr kumimoji="1" lang="zh-TW" altLang="en-US" sz="2200" dirty="0">
-                <a:latin typeface="BiauKai" panose="02010601000101010101" pitchFamily="2" charset="-120"/>
-                <a:ea typeface="BiauKai" panose="02010601000101010101" pitchFamily="2" charset="-120"/>
-              </a:rPr>
-              <a:t>案例：玩家加入戰鬥後，獲得軍隊、資源、建築物｜預期結果：正確</a:t>
+              <a:t>：木頭數量達</a:t>
+            </a:r>
+            <a:r>
+              <a:rPr kumimoji="1" lang="en-US" altLang="zh-TW" sz="2200" dirty="0">
+                <a:latin typeface="BiauKai" panose="02010601000101010101" pitchFamily="2" charset="-120"/>
+                <a:ea typeface="BiauKai" panose="02010601000101010101" pitchFamily="2" charset="-120"/>
+              </a:rPr>
+              <a:t>250</a:t>
+            </a:r>
+            <a:r>
+              <a:rPr kumimoji="1" lang="zh-TW" altLang="en-US" sz="2200" dirty="0">
+                <a:latin typeface="BiauKai" panose="02010601000101010101" pitchFamily="2" charset="-120"/>
+                <a:ea typeface="BiauKai" panose="02010601000101010101" pitchFamily="2" charset="-120"/>
+              </a:rPr>
+              <a:t>與金錢數量未達</a:t>
+            </a:r>
+            <a:r>
+              <a:rPr kumimoji="1" lang="en-US" altLang="zh-TW" sz="2200" dirty="0">
+                <a:latin typeface="BiauKai" panose="02010601000101010101" pitchFamily="2" charset="-120"/>
+                <a:ea typeface="BiauKai" panose="02010601000101010101" pitchFamily="2" charset="-120"/>
+              </a:rPr>
+              <a:t>50</a:t>
+            </a:r>
+            <a:r>
+              <a:rPr kumimoji="1" lang="zh-TW" altLang="en-US" sz="2200" dirty="0">
+                <a:latin typeface="BiauKai" panose="02010601000101010101" pitchFamily="2" charset="-120"/>
+                <a:ea typeface="BiauKai" panose="02010601000101010101" pitchFamily="2" charset="-120"/>
+              </a:rPr>
+              <a:t>，建立堅固建築物｜預期結果：失敗</a:t>
             </a:r>
             <a:endParaRPr kumimoji="1" lang="en-US" altLang="zh-TW" sz="2200" dirty="0">
               <a:latin typeface="BiauKai" panose="02010601000101010101" pitchFamily="2" charset="-120"/>
@@ -4867,7 +6660,49 @@
                 <a:latin typeface="BiauKai" panose="02010601000101010101" pitchFamily="2" charset="-120"/>
                 <a:ea typeface="BiauKai" panose="02010601000101010101" pitchFamily="2" charset="-120"/>
               </a:rPr>
-              <a:t>案例：玩家發動攻擊後，改變軍隊為攻擊狀態與通知戰鬥發送攻擊｜預期結果：成功</a:t>
+              <a:t>案例</a:t>
+            </a:r>
+            <a:r>
+              <a:rPr kumimoji="1" lang="en-US" altLang="zh-TW" sz="2200" dirty="0">
+                <a:latin typeface="BiauKai" panose="02010601000101010101" pitchFamily="2" charset="-120"/>
+                <a:ea typeface="BiauKai" panose="02010601000101010101" pitchFamily="2" charset="-120"/>
+              </a:rPr>
+              <a:t>5</a:t>
+            </a:r>
+            <a:r>
+              <a:rPr kumimoji="1" lang="zh-TW" altLang="en-US" sz="2200" dirty="0">
+                <a:latin typeface="BiauKai" panose="02010601000101010101" pitchFamily="2" charset="-120"/>
+                <a:ea typeface="BiauKai" panose="02010601000101010101" pitchFamily="2" charset="-120"/>
+              </a:rPr>
+              <a:t>：木頭數量未達</a:t>
+            </a:r>
+            <a:r>
+              <a:rPr kumimoji="1" lang="en-US" altLang="zh-TW" sz="2200" dirty="0">
+                <a:latin typeface="BiauKai" panose="02010601000101010101" pitchFamily="2" charset="-120"/>
+                <a:ea typeface="BiauKai" panose="02010601000101010101" pitchFamily="2" charset="-120"/>
+              </a:rPr>
+              <a:t>250</a:t>
+            </a:r>
+            <a:r>
+              <a:rPr kumimoji="1" lang="zh-TW" altLang="en-US" sz="2200" dirty="0">
+                <a:latin typeface="BiauKai" panose="02010601000101010101" pitchFamily="2" charset="-120"/>
+                <a:ea typeface="BiauKai" panose="02010601000101010101" pitchFamily="2" charset="-120"/>
+              </a:rPr>
+              <a:t>與金錢數量達</a:t>
+            </a:r>
+            <a:r>
+              <a:rPr kumimoji="1" lang="en-US" altLang="zh-TW" sz="2200" dirty="0">
+                <a:latin typeface="BiauKai" panose="02010601000101010101" pitchFamily="2" charset="-120"/>
+                <a:ea typeface="BiauKai" panose="02010601000101010101" pitchFamily="2" charset="-120"/>
+              </a:rPr>
+              <a:t>50</a:t>
+            </a:r>
+            <a:r>
+              <a:rPr kumimoji="1" lang="zh-TW" altLang="en-US" sz="2200" dirty="0">
+                <a:latin typeface="BiauKai" panose="02010601000101010101" pitchFamily="2" charset="-120"/>
+                <a:ea typeface="BiauKai" panose="02010601000101010101" pitchFamily="2" charset="-120"/>
+              </a:rPr>
+              <a:t>，建立堅固建築物｜預期結果：失敗</a:t>
             </a:r>
             <a:endParaRPr kumimoji="1" lang="en-US" altLang="zh-TW" sz="2200" dirty="0">
               <a:latin typeface="BiauKai" panose="02010601000101010101" pitchFamily="2" charset="-120"/>
@@ -4880,120 +6715,55 @@
                 <a:latin typeface="BiauKai" panose="02010601000101010101" pitchFamily="2" charset="-120"/>
                 <a:ea typeface="BiauKai" panose="02010601000101010101" pitchFamily="2" charset="-120"/>
               </a:rPr>
-              <a:t>案例：玩家發動防禦後，改變軍隊為防禦狀態｜預期結果：成功</a:t>
-            </a:r>
-            <a:endParaRPr kumimoji="1" lang="en-US" altLang="zh-TW" sz="2200" dirty="0">
-              <a:latin typeface="BiauKai" panose="02010601000101010101" pitchFamily="2" charset="-120"/>
-              <a:ea typeface="BiauKai" panose="02010601000101010101" pitchFamily="2" charset="-120"/>
-            </a:endParaRPr>
-          </a:p>
-          <a:p>
-            <a:r>
-              <a:rPr kumimoji="1" lang="zh-TW" altLang="en-US" sz="2200" dirty="0">
-                <a:latin typeface="BiauKai" panose="02010601000101010101" pitchFamily="2" charset="-120"/>
-                <a:ea typeface="BiauKai" panose="02010601000101010101" pitchFamily="2" charset="-120"/>
-              </a:rPr>
-              <a:t>案例：玩家</a:t>
+              <a:t>案例</a:t>
             </a:r>
             <a:r>
               <a:rPr kumimoji="1" lang="en-US" altLang="zh-TW" sz="2200" dirty="0">
                 <a:latin typeface="BiauKai" panose="02010601000101010101" pitchFamily="2" charset="-120"/>
                 <a:ea typeface="BiauKai" panose="02010601000101010101" pitchFamily="2" charset="-120"/>
               </a:rPr>
-              <a:t>A</a:t>
-            </a:r>
-            <a:r>
-              <a:rPr kumimoji="1" lang="zh-TW" altLang="en-US" sz="2200" dirty="0">
-                <a:latin typeface="BiauKai" panose="02010601000101010101" pitchFamily="2" charset="-120"/>
-                <a:ea typeface="BiauKai" panose="02010601000101010101" pitchFamily="2" charset="-120"/>
-              </a:rPr>
-              <a:t>被玩家</a:t>
+              <a:t>6</a:t>
+            </a:r>
+            <a:r>
+              <a:rPr kumimoji="1" lang="zh-TW" altLang="en-US" sz="2200" dirty="0">
+                <a:latin typeface="BiauKai" panose="02010601000101010101" pitchFamily="2" charset="-120"/>
+                <a:ea typeface="BiauKai" panose="02010601000101010101" pitchFamily="2" charset="-120"/>
+              </a:rPr>
+              <a:t>：木頭數量未達</a:t>
             </a:r>
             <a:r>
               <a:rPr kumimoji="1" lang="en-US" altLang="zh-TW" sz="2200" dirty="0">
                 <a:latin typeface="BiauKai" panose="02010601000101010101" pitchFamily="2" charset="-120"/>
                 <a:ea typeface="BiauKai" panose="02010601000101010101" pitchFamily="2" charset="-120"/>
               </a:rPr>
-              <a:t>B</a:t>
-            </a:r>
-            <a:r>
-              <a:rPr kumimoji="1" lang="zh-TW" altLang="en-US" sz="2200" dirty="0">
-                <a:latin typeface="BiauKai" panose="02010601000101010101" pitchFamily="2" charset="-120"/>
-                <a:ea typeface="BiauKai" panose="02010601000101010101" pitchFamily="2" charset="-120"/>
-              </a:rPr>
-              <a:t>攻擊後仍存活，玩家的生命值為：當前生命值減去（玩家</a:t>
+              <a:t>250</a:t>
+            </a:r>
+            <a:r>
+              <a:rPr kumimoji="1" lang="zh-TW" altLang="en-US" sz="2200" dirty="0">
+                <a:latin typeface="BiauKai" panose="02010601000101010101" pitchFamily="2" charset="-120"/>
+                <a:ea typeface="BiauKai" panose="02010601000101010101" pitchFamily="2" charset="-120"/>
+              </a:rPr>
+              <a:t>與金錢數量未達</a:t>
             </a:r>
             <a:r>
               <a:rPr kumimoji="1" lang="en-US" altLang="zh-TW" sz="2200" dirty="0">
                 <a:latin typeface="BiauKai" panose="02010601000101010101" pitchFamily="2" charset="-120"/>
                 <a:ea typeface="BiauKai" panose="02010601000101010101" pitchFamily="2" charset="-120"/>
               </a:rPr>
-              <a:t>B</a:t>
-            </a:r>
-            <a:r>
-              <a:rPr kumimoji="1" lang="zh-TW" altLang="en-US" sz="2200" dirty="0">
-                <a:latin typeface="BiauKai" panose="02010601000101010101" pitchFamily="2" charset="-120"/>
-                <a:ea typeface="BiauKai" panose="02010601000101010101" pitchFamily="2" charset="-120"/>
-              </a:rPr>
-              <a:t>的傷害扣除建築物防禦等級）｜預期結果：正確</a:t>
-            </a:r>
-            <a:endParaRPr kumimoji="1" lang="en-US" altLang="zh-TW" sz="2200" dirty="0">
-              <a:latin typeface="BiauKai" panose="02010601000101010101" pitchFamily="2" charset="-120"/>
-              <a:ea typeface="BiauKai" panose="02010601000101010101" pitchFamily="2" charset="-120"/>
-            </a:endParaRPr>
-          </a:p>
-          <a:p>
-            <a:r>
-              <a:rPr kumimoji="1" lang="zh-TW" altLang="en-US" sz="2200" dirty="0">
-                <a:latin typeface="BiauKai" panose="02010601000101010101" pitchFamily="2" charset="-120"/>
-                <a:ea typeface="BiauKai" panose="02010601000101010101" pitchFamily="2" charset="-120"/>
-              </a:rPr>
-              <a:t>案例：玩家</a:t>
-            </a:r>
-            <a:r>
-              <a:rPr kumimoji="1" lang="en-US" altLang="zh-TW" sz="2200" dirty="0">
-                <a:latin typeface="BiauKai" panose="02010601000101010101" pitchFamily="2" charset="-120"/>
-                <a:ea typeface="BiauKai" panose="02010601000101010101" pitchFamily="2" charset="-120"/>
-              </a:rPr>
-              <a:t>A</a:t>
-            </a:r>
-            <a:r>
-              <a:rPr kumimoji="1" lang="zh-TW" altLang="en-US" sz="2200" dirty="0">
-                <a:latin typeface="BiauKai" panose="02010601000101010101" pitchFamily="2" charset="-120"/>
-                <a:ea typeface="BiauKai" panose="02010601000101010101" pitchFamily="2" charset="-120"/>
-              </a:rPr>
-              <a:t>被玩家</a:t>
-            </a:r>
-            <a:r>
-              <a:rPr kumimoji="1" lang="en-US" altLang="zh-TW" sz="2200" dirty="0">
-                <a:latin typeface="BiauKai" panose="02010601000101010101" pitchFamily="2" charset="-120"/>
-                <a:ea typeface="BiauKai" panose="02010601000101010101" pitchFamily="2" charset="-120"/>
-              </a:rPr>
-              <a:t>B</a:t>
-            </a:r>
-            <a:r>
-              <a:rPr kumimoji="1" lang="zh-TW" altLang="en-US" sz="2200" dirty="0">
-                <a:latin typeface="BiauKai" panose="02010601000101010101" pitchFamily="2" charset="-120"/>
-                <a:ea typeface="BiauKai" panose="02010601000101010101" pitchFamily="2" charset="-120"/>
-              </a:rPr>
-              <a:t>攻擊後仍陣亡，玩家的生命值為：</a:t>
-            </a:r>
-            <a:r>
-              <a:rPr kumimoji="1" lang="en-US" altLang="zh-TW" sz="2200" dirty="0">
-                <a:latin typeface="BiauKai" panose="02010601000101010101" pitchFamily="2" charset="-120"/>
-                <a:ea typeface="BiauKai" panose="02010601000101010101" pitchFamily="2" charset="-120"/>
-              </a:rPr>
-              <a:t>0</a:t>
-            </a:r>
-            <a:r>
-              <a:rPr kumimoji="1" lang="zh-TW" altLang="en-US" sz="2200" dirty="0">
-                <a:latin typeface="BiauKai" panose="02010601000101010101" pitchFamily="2" charset="-120"/>
-                <a:ea typeface="BiauKai" panose="02010601000101010101" pitchFamily="2" charset="-120"/>
-              </a:rPr>
-              <a:t>，且通知戰鬥已退出戰鬥與改變軍隊為撤退狀態｜預期結果：正確</a:t>
-            </a:r>
-          </a:p>
-          <a:p>
+              <a:t>50</a:t>
+            </a:r>
+            <a:r>
+              <a:rPr kumimoji="1" lang="zh-TW" altLang="en-US" sz="2200" dirty="0">
+                <a:latin typeface="BiauKai" panose="02010601000101010101" pitchFamily="2" charset="-120"/>
+                <a:ea typeface="BiauKai" panose="02010601000101010101" pitchFamily="2" charset="-120"/>
+              </a:rPr>
+              <a:t>，建立堅固建築物｜預期結果：失敗</a:t>
+            </a:r>
+          </a:p>
+          <a:p>
+            <a:pPr marL="0" indent="0">
+              <a:buNone/>
+            </a:pPr>
             <a:endParaRPr kumimoji="1" lang="zh-TW" altLang="en-US" sz="2200" dirty="0">
               <a:latin typeface="BiauKai" panose="02010601000101010101" pitchFamily="2" charset="-120"/>
               <a:ea typeface="BiauKai" panose="02010601000101010101" pitchFamily="2" charset="-120"/>
@@ -5004,7 +6774,7 @@
     </p:spTree>
     <p:extLst>
       <p:ext uri="{BB962C8B-B14F-4D97-AF65-F5344CB8AC3E}">
-        <p14:creationId xmlns:p14="http://schemas.microsoft.com/office/powerpoint/2010/main" val="1484391343"/>
+        <p14:creationId xmlns:p14="http://schemas.microsoft.com/office/powerpoint/2010/main" val="2666701289"/>
       </p:ext>
     </p:extLst>
   </p:cSld>
@@ -5071,7 +6841,7 @@
                 <a:latin typeface="BiauKai" panose="02010601000101010101" pitchFamily="2" charset="-120"/>
                 <a:ea typeface="BiauKai" panose="02010601000101010101" pitchFamily="2" charset="-120"/>
               </a:rPr>
-              <a:t>資源</a:t>
+              <a:t>普通建築物</a:t>
             </a:r>
           </a:p>
         </p:txBody>
@@ -5081,7 +6851,7 @@
           <p:cNvPr id="3" name="內容版面配置區 2">
             <a:extLst>
               <a:ext uri="{FF2B5EF4-FFF2-40B4-BE49-F238E27FC236}">
-                <a16:creationId xmlns:a16="http://schemas.microsoft.com/office/drawing/2014/main" id="{5329A0A2-AE7F-94DE-F0D0-38D4F84186D2}"/>
+                <a16:creationId xmlns:a16="http://schemas.microsoft.com/office/drawing/2014/main" id="{B91556F9-418D-49A1-EA5F-0C63C146214A}"/>
               </a:ext>
             </a:extLst>
           </p:cNvPr>
@@ -5109,96 +6879,53 @@
                 <a:latin typeface="BiauKai" panose="02010601000101010101" pitchFamily="2" charset="-120"/>
                 <a:ea typeface="BiauKai" panose="02010601000101010101" pitchFamily="2" charset="-120"/>
               </a:rPr>
-              <a:t>案例：可新增木頭數量</a:t>
+              <a:t>案例</a:t>
             </a:r>
             <a:r>
               <a:rPr kumimoji="1" lang="en-US" altLang="zh-TW" sz="2200" dirty="0">
                 <a:latin typeface="BiauKai" panose="02010601000101010101" pitchFamily="2" charset="-120"/>
                 <a:ea typeface="BiauKai" panose="02010601000101010101" pitchFamily="2" charset="-120"/>
               </a:rPr>
-              <a:t>n</a:t>
-            </a:r>
-            <a:r>
-              <a:rPr kumimoji="1" lang="zh-TW" altLang="en-US" sz="2200" dirty="0">
-                <a:latin typeface="BiauKai" panose="02010601000101010101" pitchFamily="2" charset="-120"/>
-                <a:ea typeface="BiauKai" panose="02010601000101010101" pitchFamily="2" charset="-120"/>
-              </a:rPr>
-              <a:t>個｜預期結果：當前數量</a:t>
+              <a:t>1</a:t>
+            </a:r>
+            <a:r>
+              <a:rPr kumimoji="1" lang="zh-TW" altLang="en-US" sz="2200" dirty="0">
+                <a:latin typeface="BiauKai" panose="02010601000101010101" pitchFamily="2" charset="-120"/>
+                <a:ea typeface="BiauKai" panose="02010601000101010101" pitchFamily="2" charset="-120"/>
+              </a:rPr>
+              <a:t>：防禦等級為</a:t>
             </a:r>
             <a:r>
               <a:rPr kumimoji="1" lang="en-US" altLang="zh-TW" sz="2200" dirty="0">
                 <a:latin typeface="BiauKai" panose="02010601000101010101" pitchFamily="2" charset="-120"/>
                 <a:ea typeface="BiauKai" panose="02010601000101010101" pitchFamily="2" charset="-120"/>
               </a:rPr>
-              <a:t>+n</a:t>
-            </a:r>
-          </a:p>
-          <a:p>
-            <a:r>
-              <a:rPr kumimoji="1" lang="zh-TW" altLang="en-US" sz="2200" dirty="0">
-                <a:latin typeface="BiauKai" panose="02010601000101010101" pitchFamily="2" charset="-120"/>
-                <a:ea typeface="BiauKai" panose="02010601000101010101" pitchFamily="2" charset="-120"/>
-              </a:rPr>
-              <a:t>案例：可新增金錢數量</a:t>
-            </a:r>
-            <a:r>
-              <a:rPr kumimoji="1" lang="en-US" altLang="zh-TW" sz="2200" dirty="0">
-                <a:latin typeface="BiauKai" panose="02010601000101010101" pitchFamily="2" charset="-120"/>
-                <a:ea typeface="BiauKai" panose="02010601000101010101" pitchFamily="2" charset="-120"/>
-              </a:rPr>
-              <a:t>n</a:t>
-            </a:r>
-            <a:r>
-              <a:rPr kumimoji="1" lang="zh-TW" altLang="en-US" sz="2200" dirty="0">
-                <a:latin typeface="BiauKai" panose="02010601000101010101" pitchFamily="2" charset="-120"/>
-                <a:ea typeface="BiauKai" panose="02010601000101010101" pitchFamily="2" charset="-120"/>
-              </a:rPr>
-              <a:t>個｜預期結果：當前數量</a:t>
-            </a:r>
-            <a:r>
-              <a:rPr kumimoji="1" lang="en-US" altLang="zh-TW" sz="2200" dirty="0">
-                <a:latin typeface="BiauKai" panose="02010601000101010101" pitchFamily="2" charset="-120"/>
-                <a:ea typeface="BiauKai" panose="02010601000101010101" pitchFamily="2" charset="-120"/>
-              </a:rPr>
-              <a:t>+n</a:t>
-            </a:r>
-          </a:p>
-          <a:p>
-            <a:r>
-              <a:rPr kumimoji="1" lang="zh-TW" altLang="en-US" sz="2200" dirty="0">
-                <a:latin typeface="BiauKai" panose="02010601000101010101" pitchFamily="2" charset="-120"/>
-                <a:ea typeface="BiauKai" panose="02010601000101010101" pitchFamily="2" charset="-120"/>
-              </a:rPr>
-              <a:t>案例：可初始化資源數量｜預期結果：木頭數量</a:t>
-            </a:r>
-            <a:r>
-              <a:rPr kumimoji="1" lang="en-US" altLang="zh-TW" sz="2200" dirty="0">
-                <a:latin typeface="BiauKai" panose="02010601000101010101" pitchFamily="2" charset="-120"/>
-                <a:ea typeface="BiauKai" panose="02010601000101010101" pitchFamily="2" charset="-120"/>
-              </a:rPr>
-              <a:t>0</a:t>
-            </a:r>
-            <a:r>
-              <a:rPr kumimoji="1" lang="zh-TW" altLang="en-US" sz="2200" dirty="0">
-                <a:latin typeface="BiauKai" panose="02010601000101010101" pitchFamily="2" charset="-120"/>
-                <a:ea typeface="BiauKai" panose="02010601000101010101" pitchFamily="2" charset="-120"/>
-              </a:rPr>
-              <a:t>、金錢數量</a:t>
-            </a:r>
-            <a:r>
-              <a:rPr kumimoji="1" lang="en-US" altLang="zh-TW" sz="2200" dirty="0">
-                <a:latin typeface="BiauKai" panose="02010601000101010101" pitchFamily="2" charset="-120"/>
-                <a:ea typeface="BiauKai" panose="02010601000101010101" pitchFamily="2" charset="-120"/>
-              </a:rPr>
-              <a:t>0</a:t>
-            </a:r>
+              <a:t>1</a:t>
+            </a:r>
+            <a:r>
+              <a:rPr kumimoji="1" lang="zh-TW" altLang="en-US" sz="2200" dirty="0">
+                <a:latin typeface="BiauKai" panose="02010601000101010101" pitchFamily="2" charset="-120"/>
+                <a:ea typeface="BiauKai" panose="02010601000101010101" pitchFamily="2" charset="-120"/>
+              </a:rPr>
+              <a:t>｜預期結果：正確</a:t>
+            </a:r>
+            <a:endParaRPr kumimoji="1" lang="en-US" altLang="zh-TW" sz="2200" dirty="0">
+              <a:latin typeface="BiauKai" panose="02010601000101010101" pitchFamily="2" charset="-120"/>
+              <a:ea typeface="BiauKai" panose="02010601000101010101" pitchFamily="2" charset="-120"/>
+            </a:endParaRPr>
+          </a:p>
+          <a:p>
+            <a:endParaRPr kumimoji="1" lang="zh-TW" altLang="en-US" sz="2200" dirty="0">
+              <a:latin typeface="BiauKai" panose="02010601000101010101" pitchFamily="2" charset="-120"/>
+              <a:ea typeface="BiauKai" panose="02010601000101010101" pitchFamily="2" charset="-120"/>
+            </a:endParaRPr>
           </a:p>
         </p:txBody>
       </p:sp>
     </p:spTree>
     <p:extLst>
       <p:ext uri="{BB962C8B-B14F-4D97-AF65-F5344CB8AC3E}">
-        <p14:creationId xmlns:p14="http://schemas.microsoft.com/office/powerpoint/2010/main" val="2686452517"/>
+        <p14:creationId xmlns:p14="http://schemas.microsoft.com/office/powerpoint/2010/main" val="2026251640"/>
       </p:ext>
     </p:extLst>
   </p:cSld>
@@ -5265,7 +6992,7 @@
                 <a:latin typeface="BiauKai" panose="02010601000101010101" pitchFamily="2" charset="-120"/>
                 <a:ea typeface="BiauKai" panose="02010601000101010101" pitchFamily="2" charset="-120"/>
               </a:rPr>
-              <a:t>建築物</a:t>
+              <a:t>堅固建築物</a:t>
             </a:r>
           </a:p>
         </p:txBody>
@@ -5303,209 +7030,40 @@
                 <a:latin typeface="BiauKai" panose="02010601000101010101" pitchFamily="2" charset="-120"/>
                 <a:ea typeface="BiauKai" panose="02010601000101010101" pitchFamily="2" charset="-120"/>
               </a:rPr>
-              <a:t>案例：木頭數量達</a:t>
+              <a:t>案例</a:t>
             </a:r>
             <a:r>
               <a:rPr kumimoji="1" lang="en-US" altLang="zh-TW" sz="2200" dirty="0">
                 <a:latin typeface="BiauKai" panose="02010601000101010101" pitchFamily="2" charset="-120"/>
                 <a:ea typeface="BiauKai" panose="02010601000101010101" pitchFamily="2" charset="-120"/>
               </a:rPr>
-              <a:t>100</a:t>
-            </a:r>
-            <a:r>
-              <a:rPr kumimoji="1" lang="zh-TW" altLang="en-US" sz="2200" dirty="0">
-                <a:latin typeface="BiauKai" panose="02010601000101010101" pitchFamily="2" charset="-120"/>
-                <a:ea typeface="BiauKai" panose="02010601000101010101" pitchFamily="2" charset="-120"/>
-              </a:rPr>
-              <a:t>，建立普通建築物｜預期結果：成功</a:t>
+              <a:t>1</a:t>
+            </a:r>
+            <a:r>
+              <a:rPr kumimoji="1" lang="zh-TW" altLang="en-US" sz="2200" dirty="0">
+                <a:latin typeface="BiauKai" panose="02010601000101010101" pitchFamily="2" charset="-120"/>
+                <a:ea typeface="BiauKai" panose="02010601000101010101" pitchFamily="2" charset="-120"/>
+              </a:rPr>
+              <a:t>：防禦等級為</a:t>
+            </a:r>
+            <a:r>
+              <a:rPr kumimoji="1" lang="en-US" altLang="zh-TW" sz="2200" dirty="0">
+                <a:latin typeface="BiauKai" panose="02010601000101010101" pitchFamily="2" charset="-120"/>
+                <a:ea typeface="BiauKai" panose="02010601000101010101" pitchFamily="2" charset="-120"/>
+              </a:rPr>
+              <a:t>2</a:t>
+            </a:r>
+            <a:r>
+              <a:rPr kumimoji="1" lang="zh-TW" altLang="en-US" sz="2200" dirty="0">
+                <a:latin typeface="BiauKai" panose="02010601000101010101" pitchFamily="2" charset="-120"/>
+                <a:ea typeface="BiauKai" panose="02010601000101010101" pitchFamily="2" charset="-120"/>
+              </a:rPr>
+              <a:t>｜預期結果：正確</a:t>
             </a:r>
             <a:endParaRPr kumimoji="1" lang="en-US" altLang="zh-TW" sz="2200" dirty="0">
               <a:latin typeface="BiauKai" panose="02010601000101010101" pitchFamily="2" charset="-120"/>
               <a:ea typeface="BiauKai" panose="02010601000101010101" pitchFamily="2" charset="-120"/>
             </a:endParaRPr>
-          </a:p>
-          <a:p>
-            <a:r>
-              <a:rPr kumimoji="1" lang="zh-TW" altLang="en-US" sz="2200" dirty="0">
-                <a:latin typeface="BiauKai" panose="02010601000101010101" pitchFamily="2" charset="-120"/>
-                <a:ea typeface="BiauKai" panose="02010601000101010101" pitchFamily="2" charset="-120"/>
-              </a:rPr>
-              <a:t>案例：木頭數量未達</a:t>
-            </a:r>
-            <a:r>
-              <a:rPr kumimoji="1" lang="en-US" altLang="zh-TW" sz="2200" dirty="0">
-                <a:latin typeface="BiauKai" panose="02010601000101010101" pitchFamily="2" charset="-120"/>
-                <a:ea typeface="BiauKai" panose="02010601000101010101" pitchFamily="2" charset="-120"/>
-              </a:rPr>
-              <a:t>100</a:t>
-            </a:r>
-            <a:r>
-              <a:rPr kumimoji="1" lang="zh-TW" altLang="en-US" sz="2200" dirty="0">
-                <a:latin typeface="BiauKai" panose="02010601000101010101" pitchFamily="2" charset="-120"/>
-                <a:ea typeface="BiauKai" panose="02010601000101010101" pitchFamily="2" charset="-120"/>
-              </a:rPr>
-              <a:t>，建立普通建築物｜預期結果：失敗</a:t>
-            </a:r>
-            <a:endParaRPr kumimoji="1" lang="en-US" altLang="zh-TW" sz="2200" dirty="0">
-              <a:latin typeface="BiauKai" panose="02010601000101010101" pitchFamily="2" charset="-120"/>
-              <a:ea typeface="BiauKai" panose="02010601000101010101" pitchFamily="2" charset="-120"/>
-            </a:endParaRPr>
-          </a:p>
-          <a:p>
-            <a:r>
-              <a:rPr kumimoji="1" lang="zh-TW" altLang="en-US" sz="2200" dirty="0">
-                <a:latin typeface="BiauKai" panose="02010601000101010101" pitchFamily="2" charset="-120"/>
-                <a:ea typeface="BiauKai" panose="02010601000101010101" pitchFamily="2" charset="-120"/>
-              </a:rPr>
-              <a:t>案例：木頭數量達</a:t>
-            </a:r>
-            <a:r>
-              <a:rPr kumimoji="1" lang="en-US" altLang="zh-TW" sz="2200" dirty="0">
-                <a:latin typeface="BiauKai" panose="02010601000101010101" pitchFamily="2" charset="-120"/>
-                <a:ea typeface="BiauKai" panose="02010601000101010101" pitchFamily="2" charset="-120"/>
-              </a:rPr>
-              <a:t>250</a:t>
-            </a:r>
-            <a:r>
-              <a:rPr kumimoji="1" lang="zh-TW" altLang="en-US" sz="2200" dirty="0">
-                <a:latin typeface="BiauKai" panose="02010601000101010101" pitchFamily="2" charset="-120"/>
-                <a:ea typeface="BiauKai" panose="02010601000101010101" pitchFamily="2" charset="-120"/>
-              </a:rPr>
-              <a:t>與金錢數量達</a:t>
-            </a:r>
-            <a:r>
-              <a:rPr kumimoji="1" lang="en-US" altLang="zh-TW" sz="2200" dirty="0">
-                <a:latin typeface="BiauKai" panose="02010601000101010101" pitchFamily="2" charset="-120"/>
-                <a:ea typeface="BiauKai" panose="02010601000101010101" pitchFamily="2" charset="-120"/>
-              </a:rPr>
-              <a:t>50</a:t>
-            </a:r>
-            <a:r>
-              <a:rPr kumimoji="1" lang="zh-TW" altLang="en-US" sz="2200" dirty="0">
-                <a:latin typeface="BiauKai" panose="02010601000101010101" pitchFamily="2" charset="-120"/>
-                <a:ea typeface="BiauKai" panose="02010601000101010101" pitchFamily="2" charset="-120"/>
-              </a:rPr>
-              <a:t>，建立堅固建築物｜預期結果：成功</a:t>
-            </a:r>
-          </a:p>
-          <a:p>
-            <a:r>
-              <a:rPr kumimoji="1" lang="zh-TW" altLang="en-US" sz="2200" dirty="0">
-                <a:latin typeface="BiauKai" panose="02010601000101010101" pitchFamily="2" charset="-120"/>
-                <a:ea typeface="BiauKai" panose="02010601000101010101" pitchFamily="2" charset="-120"/>
-              </a:rPr>
-              <a:t>案例：木頭數量達</a:t>
-            </a:r>
-            <a:r>
-              <a:rPr kumimoji="1" lang="en-US" altLang="zh-TW" sz="2200" dirty="0">
-                <a:latin typeface="BiauKai" panose="02010601000101010101" pitchFamily="2" charset="-120"/>
-                <a:ea typeface="BiauKai" panose="02010601000101010101" pitchFamily="2" charset="-120"/>
-              </a:rPr>
-              <a:t>250</a:t>
-            </a:r>
-            <a:r>
-              <a:rPr kumimoji="1" lang="zh-TW" altLang="en-US" sz="2200" dirty="0">
-                <a:latin typeface="BiauKai" panose="02010601000101010101" pitchFamily="2" charset="-120"/>
-                <a:ea typeface="BiauKai" panose="02010601000101010101" pitchFamily="2" charset="-120"/>
-              </a:rPr>
-              <a:t>與金錢數量未達</a:t>
-            </a:r>
-            <a:r>
-              <a:rPr kumimoji="1" lang="en-US" altLang="zh-TW" sz="2200" dirty="0">
-                <a:latin typeface="BiauKai" panose="02010601000101010101" pitchFamily="2" charset="-120"/>
-                <a:ea typeface="BiauKai" panose="02010601000101010101" pitchFamily="2" charset="-120"/>
-              </a:rPr>
-              <a:t>50</a:t>
-            </a:r>
-            <a:r>
-              <a:rPr kumimoji="1" lang="zh-TW" altLang="en-US" sz="2200" dirty="0">
-                <a:latin typeface="BiauKai" panose="02010601000101010101" pitchFamily="2" charset="-120"/>
-                <a:ea typeface="BiauKai" panose="02010601000101010101" pitchFamily="2" charset="-120"/>
-              </a:rPr>
-              <a:t>，建立堅固建築物｜預期結果：失敗</a:t>
-            </a:r>
-            <a:endParaRPr kumimoji="1" lang="en-US" altLang="zh-TW" sz="2200" dirty="0">
-              <a:latin typeface="BiauKai" panose="02010601000101010101" pitchFamily="2" charset="-120"/>
-              <a:ea typeface="BiauKai" panose="02010601000101010101" pitchFamily="2" charset="-120"/>
-            </a:endParaRPr>
-          </a:p>
-          <a:p>
-            <a:r>
-              <a:rPr kumimoji="1" lang="zh-TW" altLang="en-US" sz="2200" dirty="0">
-                <a:latin typeface="BiauKai" panose="02010601000101010101" pitchFamily="2" charset="-120"/>
-                <a:ea typeface="BiauKai" panose="02010601000101010101" pitchFamily="2" charset="-120"/>
-              </a:rPr>
-              <a:t>案例：木頭數量未達</a:t>
-            </a:r>
-            <a:r>
-              <a:rPr kumimoji="1" lang="en-US" altLang="zh-TW" sz="2200" dirty="0">
-                <a:latin typeface="BiauKai" panose="02010601000101010101" pitchFamily="2" charset="-120"/>
-                <a:ea typeface="BiauKai" panose="02010601000101010101" pitchFamily="2" charset="-120"/>
-              </a:rPr>
-              <a:t>250</a:t>
-            </a:r>
-            <a:r>
-              <a:rPr kumimoji="1" lang="zh-TW" altLang="en-US" sz="2200" dirty="0">
-                <a:latin typeface="BiauKai" panose="02010601000101010101" pitchFamily="2" charset="-120"/>
-                <a:ea typeface="BiauKai" panose="02010601000101010101" pitchFamily="2" charset="-120"/>
-              </a:rPr>
-              <a:t>與金錢數量達</a:t>
-            </a:r>
-            <a:r>
-              <a:rPr kumimoji="1" lang="en-US" altLang="zh-TW" sz="2200" dirty="0">
-                <a:latin typeface="BiauKai" panose="02010601000101010101" pitchFamily="2" charset="-120"/>
-                <a:ea typeface="BiauKai" panose="02010601000101010101" pitchFamily="2" charset="-120"/>
-              </a:rPr>
-              <a:t>50</a:t>
-            </a:r>
-            <a:r>
-              <a:rPr kumimoji="1" lang="zh-TW" altLang="en-US" sz="2200" dirty="0">
-                <a:latin typeface="BiauKai" panose="02010601000101010101" pitchFamily="2" charset="-120"/>
-                <a:ea typeface="BiauKai" panose="02010601000101010101" pitchFamily="2" charset="-120"/>
-              </a:rPr>
-              <a:t>，建立堅固建築物｜預期結果：失敗</a:t>
-            </a:r>
-            <a:endParaRPr kumimoji="1" lang="en-US" altLang="zh-TW" sz="2200" dirty="0">
-              <a:latin typeface="BiauKai" panose="02010601000101010101" pitchFamily="2" charset="-120"/>
-              <a:ea typeface="BiauKai" panose="02010601000101010101" pitchFamily="2" charset="-120"/>
-            </a:endParaRPr>
-          </a:p>
-          <a:p>
-            <a:r>
-              <a:rPr kumimoji="1" lang="zh-TW" altLang="en-US" sz="2200" dirty="0">
-                <a:latin typeface="BiauKai" panose="02010601000101010101" pitchFamily="2" charset="-120"/>
-                <a:ea typeface="BiauKai" panose="02010601000101010101" pitchFamily="2" charset="-120"/>
-              </a:rPr>
-              <a:t>案例：木頭數量未達</a:t>
-            </a:r>
-            <a:r>
-              <a:rPr kumimoji="1" lang="en-US" altLang="zh-TW" sz="2200" dirty="0">
-                <a:latin typeface="BiauKai" panose="02010601000101010101" pitchFamily="2" charset="-120"/>
-                <a:ea typeface="BiauKai" panose="02010601000101010101" pitchFamily="2" charset="-120"/>
-              </a:rPr>
-              <a:t>250</a:t>
-            </a:r>
-            <a:r>
-              <a:rPr kumimoji="1" lang="zh-TW" altLang="en-US" sz="2200" dirty="0">
-                <a:latin typeface="BiauKai" panose="02010601000101010101" pitchFamily="2" charset="-120"/>
-                <a:ea typeface="BiauKai" panose="02010601000101010101" pitchFamily="2" charset="-120"/>
-              </a:rPr>
-              <a:t>與金錢數量未達</a:t>
-            </a:r>
-            <a:r>
-              <a:rPr kumimoji="1" lang="en-US" altLang="zh-TW" sz="2200" dirty="0">
-                <a:latin typeface="BiauKai" panose="02010601000101010101" pitchFamily="2" charset="-120"/>
-                <a:ea typeface="BiauKai" panose="02010601000101010101" pitchFamily="2" charset="-120"/>
-              </a:rPr>
-              <a:t>50</a:t>
-            </a:r>
-            <a:r>
-              <a:rPr kumimoji="1" lang="zh-TW" altLang="en-US" sz="2200" dirty="0">
-                <a:latin typeface="BiauKai" panose="02010601000101010101" pitchFamily="2" charset="-120"/>
-                <a:ea typeface="BiauKai" panose="02010601000101010101" pitchFamily="2" charset="-120"/>
-              </a:rPr>
-              <a:t>，建立堅固建築物｜預期結果：失敗</a:t>
-            </a:r>
           </a:p>
           <a:p>
             <a:pPr marL="0" indent="0">
@@ -5521,7 +7079,7 @@
     </p:spTree>
     <p:extLst>
       <p:ext uri="{BB962C8B-B14F-4D97-AF65-F5344CB8AC3E}">
-        <p14:creationId xmlns:p14="http://schemas.microsoft.com/office/powerpoint/2010/main" val="2666701289"/>
+        <p14:creationId xmlns:p14="http://schemas.microsoft.com/office/powerpoint/2010/main" val="3712813367"/>
       </p:ext>
     </p:extLst>
   </p:cSld>

--- a/軟體驗證簡報.pptx
+++ b/軟體驗證簡報.pptx
@@ -278,7 +278,7 @@
           <a:p>
             <a:fld id="{A5B87481-28C5-0646-AAC2-EE8F2B8E46FE}" type="datetimeFigureOut">
               <a:rPr kumimoji="1" lang="zh-TW" altLang="en-US" smtClean="0"/>
-              <a:t>2024/6/11</a:t>
+              <a:t>2024/6/17</a:t>
             </a:fld>
             <a:endParaRPr kumimoji="1" lang="zh-TW" altLang="en-US"/>
           </a:p>
@@ -476,7 +476,7 @@
           <a:p>
             <a:fld id="{A5B87481-28C5-0646-AAC2-EE8F2B8E46FE}" type="datetimeFigureOut">
               <a:rPr kumimoji="1" lang="zh-TW" altLang="en-US" smtClean="0"/>
-              <a:t>2024/6/11</a:t>
+              <a:t>2024/6/17</a:t>
             </a:fld>
             <a:endParaRPr kumimoji="1" lang="zh-TW" altLang="en-US"/>
           </a:p>
@@ -684,7 +684,7 @@
           <a:p>
             <a:fld id="{A5B87481-28C5-0646-AAC2-EE8F2B8E46FE}" type="datetimeFigureOut">
               <a:rPr kumimoji="1" lang="zh-TW" altLang="en-US" smtClean="0"/>
-              <a:t>2024/6/11</a:t>
+              <a:t>2024/6/17</a:t>
             </a:fld>
             <a:endParaRPr kumimoji="1" lang="zh-TW" altLang="en-US"/>
           </a:p>
@@ -882,7 +882,7 @@
           <a:p>
             <a:fld id="{A5B87481-28C5-0646-AAC2-EE8F2B8E46FE}" type="datetimeFigureOut">
               <a:rPr kumimoji="1" lang="zh-TW" altLang="en-US" smtClean="0"/>
-              <a:t>2024/6/11</a:t>
+              <a:t>2024/6/17</a:t>
             </a:fld>
             <a:endParaRPr kumimoji="1" lang="zh-TW" altLang="en-US"/>
           </a:p>
@@ -1157,7 +1157,7 @@
           <a:p>
             <a:fld id="{A5B87481-28C5-0646-AAC2-EE8F2B8E46FE}" type="datetimeFigureOut">
               <a:rPr kumimoji="1" lang="zh-TW" altLang="en-US" smtClean="0"/>
-              <a:t>2024/6/11</a:t>
+              <a:t>2024/6/17</a:t>
             </a:fld>
             <a:endParaRPr kumimoji="1" lang="zh-TW" altLang="en-US"/>
           </a:p>
@@ -1422,7 +1422,7 @@
           <a:p>
             <a:fld id="{A5B87481-28C5-0646-AAC2-EE8F2B8E46FE}" type="datetimeFigureOut">
               <a:rPr kumimoji="1" lang="zh-TW" altLang="en-US" smtClean="0"/>
-              <a:t>2024/6/11</a:t>
+              <a:t>2024/6/17</a:t>
             </a:fld>
             <a:endParaRPr kumimoji="1" lang="zh-TW" altLang="en-US"/>
           </a:p>
@@ -1834,7 +1834,7 @@
           <a:p>
             <a:fld id="{A5B87481-28C5-0646-AAC2-EE8F2B8E46FE}" type="datetimeFigureOut">
               <a:rPr kumimoji="1" lang="zh-TW" altLang="en-US" smtClean="0"/>
-              <a:t>2024/6/11</a:t>
+              <a:t>2024/6/17</a:t>
             </a:fld>
             <a:endParaRPr kumimoji="1" lang="zh-TW" altLang="en-US"/>
           </a:p>
@@ -1975,7 +1975,7 @@
           <a:p>
             <a:fld id="{A5B87481-28C5-0646-AAC2-EE8F2B8E46FE}" type="datetimeFigureOut">
               <a:rPr kumimoji="1" lang="zh-TW" altLang="en-US" smtClean="0"/>
-              <a:t>2024/6/11</a:t>
+              <a:t>2024/6/17</a:t>
             </a:fld>
             <a:endParaRPr kumimoji="1" lang="zh-TW" altLang="en-US"/>
           </a:p>
@@ -2088,7 +2088,7 @@
           <a:p>
             <a:fld id="{A5B87481-28C5-0646-AAC2-EE8F2B8E46FE}" type="datetimeFigureOut">
               <a:rPr kumimoji="1" lang="zh-TW" altLang="en-US" smtClean="0"/>
-              <a:t>2024/6/11</a:t>
+              <a:t>2024/6/17</a:t>
             </a:fld>
             <a:endParaRPr kumimoji="1" lang="zh-TW" altLang="en-US"/>
           </a:p>
@@ -2399,7 +2399,7 @@
           <a:p>
             <a:fld id="{A5B87481-28C5-0646-AAC2-EE8F2B8E46FE}" type="datetimeFigureOut">
               <a:rPr kumimoji="1" lang="zh-TW" altLang="en-US" smtClean="0"/>
-              <a:t>2024/6/11</a:t>
+              <a:t>2024/6/17</a:t>
             </a:fld>
             <a:endParaRPr kumimoji="1" lang="zh-TW" altLang="en-US"/>
           </a:p>
@@ -2687,7 +2687,7 @@
           <a:p>
             <a:fld id="{A5B87481-28C5-0646-AAC2-EE8F2B8E46FE}" type="datetimeFigureOut">
               <a:rPr kumimoji="1" lang="zh-TW" altLang="en-US" smtClean="0"/>
-              <a:t>2024/6/11</a:t>
+              <a:t>2024/6/17</a:t>
             </a:fld>
             <a:endParaRPr kumimoji="1" lang="zh-TW" altLang="en-US"/>
           </a:p>
@@ -2928,7 +2928,7 @@
           <a:p>
             <a:fld id="{A5B87481-28C5-0646-AAC2-EE8F2B8E46FE}" type="datetimeFigureOut">
               <a:rPr kumimoji="1" lang="zh-TW" altLang="en-US" smtClean="0"/>
-              <a:t>2024/6/11</a:t>
+              <a:t>2024/6/17</a:t>
             </a:fld>
             <a:endParaRPr kumimoji="1" lang="zh-TW" altLang="en-US"/>
           </a:p>
@@ -3747,6 +3747,55 @@
           </a:p>
         </p:txBody>
       </p:sp>
+      <p:sp>
+        <p:nvSpPr>
+          <p:cNvPr id="4" name="矩形 3">
+            <a:extLst>
+              <a:ext uri="{FF2B5EF4-FFF2-40B4-BE49-F238E27FC236}">
+                <a16:creationId xmlns:a16="http://schemas.microsoft.com/office/drawing/2014/main" id="{3363B248-96FA-796D-3AA0-8DE68C83AC07}"/>
+              </a:ext>
+            </a:extLst>
+          </p:cNvPr>
+          <p:cNvSpPr/>
+          <p:nvPr/>
+        </p:nvSpPr>
+        <p:spPr>
+          <a:xfrm>
+            <a:off x="429491" y="702324"/>
+            <a:ext cx="69273" cy="651164"/>
+          </a:xfrm>
+          <a:prstGeom prst="rect">
+            <a:avLst/>
+          </a:prstGeom>
+          <a:ln>
+            <a:noFill/>
+          </a:ln>
+        </p:spPr>
+        <p:style>
+          <a:lnRef idx="2">
+            <a:schemeClr val="accent1">
+              <a:shade val="50000"/>
+            </a:schemeClr>
+          </a:lnRef>
+          <a:fillRef idx="1">
+            <a:schemeClr val="accent1"/>
+          </a:fillRef>
+          <a:effectRef idx="0">
+            <a:schemeClr val="accent1"/>
+          </a:effectRef>
+          <a:fontRef idx="minor">
+            <a:schemeClr val="lt1"/>
+          </a:fontRef>
+        </p:style>
+        <p:txBody>
+          <a:bodyPr rtlCol="0" anchor="ctr"/>
+          <a:lstStyle/>
+          <a:p>
+            <a:pPr algn="ctr"/>
+            <a:endParaRPr kumimoji="1" lang="zh-TW" altLang="en-US"/>
+          </a:p>
+        </p:txBody>
+      </p:sp>
     </p:spTree>
     <p:extLst>
       <p:ext uri="{BB962C8B-B14F-4D97-AF65-F5344CB8AC3E}">
@@ -3980,6 +4029,55 @@
           </a:p>
         </p:txBody>
       </p:sp>
+      <p:sp>
+        <p:nvSpPr>
+          <p:cNvPr id="4" name="矩形 3">
+            <a:extLst>
+              <a:ext uri="{FF2B5EF4-FFF2-40B4-BE49-F238E27FC236}">
+                <a16:creationId xmlns:a16="http://schemas.microsoft.com/office/drawing/2014/main" id="{A77B1291-E531-FE25-DFB9-E2D91B8EB4BE}"/>
+              </a:ext>
+            </a:extLst>
+          </p:cNvPr>
+          <p:cNvSpPr/>
+          <p:nvPr/>
+        </p:nvSpPr>
+        <p:spPr>
+          <a:xfrm>
+            <a:off x="429491" y="702324"/>
+            <a:ext cx="69273" cy="651164"/>
+          </a:xfrm>
+          <a:prstGeom prst="rect">
+            <a:avLst/>
+          </a:prstGeom>
+          <a:ln>
+            <a:noFill/>
+          </a:ln>
+        </p:spPr>
+        <p:style>
+          <a:lnRef idx="2">
+            <a:schemeClr val="accent1">
+              <a:shade val="50000"/>
+            </a:schemeClr>
+          </a:lnRef>
+          <a:fillRef idx="1">
+            <a:schemeClr val="accent1"/>
+          </a:fillRef>
+          <a:effectRef idx="0">
+            <a:schemeClr val="accent1"/>
+          </a:effectRef>
+          <a:fontRef idx="minor">
+            <a:schemeClr val="lt1"/>
+          </a:fontRef>
+        </p:style>
+        <p:txBody>
+          <a:bodyPr rtlCol="0" anchor="ctr"/>
+          <a:lstStyle/>
+          <a:p>
+            <a:pPr algn="ctr"/>
+            <a:endParaRPr kumimoji="1" lang="zh-TW" altLang="en-US"/>
+          </a:p>
+        </p:txBody>
+      </p:sp>
     </p:spTree>
     <p:extLst>
       <p:ext uri="{BB962C8B-B14F-4D97-AF65-F5344CB8AC3E}">
@@ -4207,6 +4305,55 @@
           </a:p>
         </p:txBody>
       </p:sp>
+      <p:sp>
+        <p:nvSpPr>
+          <p:cNvPr id="4" name="矩形 3">
+            <a:extLst>
+              <a:ext uri="{FF2B5EF4-FFF2-40B4-BE49-F238E27FC236}">
+                <a16:creationId xmlns:a16="http://schemas.microsoft.com/office/drawing/2014/main" id="{1AFFC3F9-2061-E402-D582-E728636F244E}"/>
+              </a:ext>
+            </a:extLst>
+          </p:cNvPr>
+          <p:cNvSpPr/>
+          <p:nvPr/>
+        </p:nvSpPr>
+        <p:spPr>
+          <a:xfrm>
+            <a:off x="429491" y="702324"/>
+            <a:ext cx="69273" cy="651164"/>
+          </a:xfrm>
+          <a:prstGeom prst="rect">
+            <a:avLst/>
+          </a:prstGeom>
+          <a:ln>
+            <a:noFill/>
+          </a:ln>
+        </p:spPr>
+        <p:style>
+          <a:lnRef idx="2">
+            <a:schemeClr val="accent1">
+              <a:shade val="50000"/>
+            </a:schemeClr>
+          </a:lnRef>
+          <a:fillRef idx="1">
+            <a:schemeClr val="accent1"/>
+          </a:fillRef>
+          <a:effectRef idx="0">
+            <a:schemeClr val="accent1"/>
+          </a:effectRef>
+          <a:fontRef idx="minor">
+            <a:schemeClr val="lt1"/>
+          </a:fontRef>
+        </p:style>
+        <p:txBody>
+          <a:bodyPr rtlCol="0" anchor="ctr"/>
+          <a:lstStyle/>
+          <a:p>
+            <a:pPr algn="ctr"/>
+            <a:endParaRPr kumimoji="1" lang="zh-TW" altLang="en-US"/>
+          </a:p>
+        </p:txBody>
+      </p:sp>
     </p:spTree>
     <p:extLst>
       <p:ext uri="{BB962C8B-B14F-4D97-AF65-F5344CB8AC3E}">
@@ -4444,6 +4591,55 @@
           </a:p>
         </p:txBody>
       </p:sp>
+      <p:sp>
+        <p:nvSpPr>
+          <p:cNvPr id="4" name="矩形 3">
+            <a:extLst>
+              <a:ext uri="{FF2B5EF4-FFF2-40B4-BE49-F238E27FC236}">
+                <a16:creationId xmlns:a16="http://schemas.microsoft.com/office/drawing/2014/main" id="{4B8E05AB-4375-74FB-A2ED-B4391F6081CA}"/>
+              </a:ext>
+            </a:extLst>
+          </p:cNvPr>
+          <p:cNvSpPr/>
+          <p:nvPr/>
+        </p:nvSpPr>
+        <p:spPr>
+          <a:xfrm>
+            <a:off x="429491" y="702324"/>
+            <a:ext cx="69273" cy="651164"/>
+          </a:xfrm>
+          <a:prstGeom prst="rect">
+            <a:avLst/>
+          </a:prstGeom>
+          <a:ln>
+            <a:noFill/>
+          </a:ln>
+        </p:spPr>
+        <p:style>
+          <a:lnRef idx="2">
+            <a:schemeClr val="accent1">
+              <a:shade val="50000"/>
+            </a:schemeClr>
+          </a:lnRef>
+          <a:fillRef idx="1">
+            <a:schemeClr val="accent1"/>
+          </a:fillRef>
+          <a:effectRef idx="0">
+            <a:schemeClr val="accent1"/>
+          </a:effectRef>
+          <a:fontRef idx="minor">
+            <a:schemeClr val="lt1"/>
+          </a:fontRef>
+        </p:style>
+        <p:txBody>
+          <a:bodyPr rtlCol="0" anchor="ctr"/>
+          <a:lstStyle/>
+          <a:p>
+            <a:pPr algn="ctr"/>
+            <a:endParaRPr kumimoji="1" lang="zh-TW" altLang="en-US"/>
+          </a:p>
+        </p:txBody>
+      </p:sp>
     </p:spTree>
     <p:extLst>
       <p:ext uri="{BB962C8B-B14F-4D97-AF65-F5344CB8AC3E}">
@@ -4769,6 +4965,55 @@
           </a:p>
         </p:txBody>
       </p:sp>
+      <p:sp>
+        <p:nvSpPr>
+          <p:cNvPr id="3" name="矩形 2">
+            <a:extLst>
+              <a:ext uri="{FF2B5EF4-FFF2-40B4-BE49-F238E27FC236}">
+                <a16:creationId xmlns:a16="http://schemas.microsoft.com/office/drawing/2014/main" id="{A28B22A1-3C9A-A8AC-8B1F-0916BD1D1E55}"/>
+              </a:ext>
+            </a:extLst>
+          </p:cNvPr>
+          <p:cNvSpPr/>
+          <p:nvPr/>
+        </p:nvSpPr>
+        <p:spPr>
+          <a:xfrm>
+            <a:off x="429491" y="702324"/>
+            <a:ext cx="69273" cy="651164"/>
+          </a:xfrm>
+          <a:prstGeom prst="rect">
+            <a:avLst/>
+          </a:prstGeom>
+          <a:ln>
+            <a:noFill/>
+          </a:ln>
+        </p:spPr>
+        <p:style>
+          <a:lnRef idx="2">
+            <a:schemeClr val="accent1">
+              <a:shade val="50000"/>
+            </a:schemeClr>
+          </a:lnRef>
+          <a:fillRef idx="1">
+            <a:schemeClr val="accent1"/>
+          </a:fillRef>
+          <a:effectRef idx="0">
+            <a:schemeClr val="accent1"/>
+          </a:effectRef>
+          <a:fontRef idx="minor">
+            <a:schemeClr val="lt1"/>
+          </a:fontRef>
+        </p:style>
+        <p:txBody>
+          <a:bodyPr rtlCol="0" anchor="ctr"/>
+          <a:lstStyle/>
+          <a:p>
+            <a:pPr algn="ctr"/>
+            <a:endParaRPr kumimoji="1" lang="zh-TW" altLang="en-US"/>
+          </a:p>
+        </p:txBody>
+      </p:sp>
     </p:spTree>
     <p:extLst>
       <p:ext uri="{BB962C8B-B14F-4D97-AF65-F5344CB8AC3E}">
@@ -4910,6 +5155,55 @@
           </a:p>
         </p:txBody>
       </p:sp>
+      <p:sp>
+        <p:nvSpPr>
+          <p:cNvPr id="3" name="矩形 2">
+            <a:extLst>
+              <a:ext uri="{FF2B5EF4-FFF2-40B4-BE49-F238E27FC236}">
+                <a16:creationId xmlns:a16="http://schemas.microsoft.com/office/drawing/2014/main" id="{0510CD15-1942-D4E5-3AF4-55FB224D59C6}"/>
+              </a:ext>
+            </a:extLst>
+          </p:cNvPr>
+          <p:cNvSpPr/>
+          <p:nvPr/>
+        </p:nvSpPr>
+        <p:spPr>
+          <a:xfrm>
+            <a:off x="429491" y="702324"/>
+            <a:ext cx="69273" cy="651164"/>
+          </a:xfrm>
+          <a:prstGeom prst="rect">
+            <a:avLst/>
+          </a:prstGeom>
+          <a:ln>
+            <a:noFill/>
+          </a:ln>
+        </p:spPr>
+        <p:style>
+          <a:lnRef idx="2">
+            <a:schemeClr val="accent1">
+              <a:shade val="50000"/>
+            </a:schemeClr>
+          </a:lnRef>
+          <a:fillRef idx="1">
+            <a:schemeClr val="accent1"/>
+          </a:fillRef>
+          <a:effectRef idx="0">
+            <a:schemeClr val="accent1"/>
+          </a:effectRef>
+          <a:fontRef idx="minor">
+            <a:schemeClr val="lt1"/>
+          </a:fontRef>
+        </p:style>
+        <p:txBody>
+          <a:bodyPr rtlCol="0" anchor="ctr"/>
+          <a:lstStyle/>
+          <a:p>
+            <a:pPr algn="ctr"/>
+            <a:endParaRPr kumimoji="1" lang="zh-TW" altLang="en-US"/>
+          </a:p>
+        </p:txBody>
+      </p:sp>
     </p:spTree>
     <p:extLst>
       <p:ext uri="{BB962C8B-B14F-4D97-AF65-F5344CB8AC3E}">
@@ -5057,6 +5351,55 @@
           </a:p>
         </p:txBody>
       </p:sp>
+      <p:sp>
+        <p:nvSpPr>
+          <p:cNvPr id="3" name="矩形 2">
+            <a:extLst>
+              <a:ext uri="{FF2B5EF4-FFF2-40B4-BE49-F238E27FC236}">
+                <a16:creationId xmlns:a16="http://schemas.microsoft.com/office/drawing/2014/main" id="{59E9D428-C1C0-85EF-4A4B-3DECBD75B2DB}"/>
+              </a:ext>
+            </a:extLst>
+          </p:cNvPr>
+          <p:cNvSpPr/>
+          <p:nvPr/>
+        </p:nvSpPr>
+        <p:spPr>
+          <a:xfrm>
+            <a:off x="429491" y="702324"/>
+            <a:ext cx="69273" cy="651164"/>
+          </a:xfrm>
+          <a:prstGeom prst="rect">
+            <a:avLst/>
+          </a:prstGeom>
+          <a:ln>
+            <a:noFill/>
+          </a:ln>
+        </p:spPr>
+        <p:style>
+          <a:lnRef idx="2">
+            <a:schemeClr val="accent1">
+              <a:shade val="50000"/>
+            </a:schemeClr>
+          </a:lnRef>
+          <a:fillRef idx="1">
+            <a:schemeClr val="accent1"/>
+          </a:fillRef>
+          <a:effectRef idx="0">
+            <a:schemeClr val="accent1"/>
+          </a:effectRef>
+          <a:fontRef idx="minor">
+            <a:schemeClr val="lt1"/>
+          </a:fontRef>
+        </p:style>
+        <p:txBody>
+          <a:bodyPr rtlCol="0" anchor="ctr"/>
+          <a:lstStyle/>
+          <a:p>
+            <a:pPr algn="ctr"/>
+            <a:endParaRPr kumimoji="1" lang="zh-TW" altLang="en-US"/>
+          </a:p>
+        </p:txBody>
+      </p:sp>
     </p:spTree>
     <p:extLst>
       <p:ext uri="{BB962C8B-B14F-4D97-AF65-F5344CB8AC3E}">
@@ -5198,6 +5541,55 @@
           </a:p>
         </p:txBody>
       </p:sp>
+      <p:sp>
+        <p:nvSpPr>
+          <p:cNvPr id="3" name="矩形 2">
+            <a:extLst>
+              <a:ext uri="{FF2B5EF4-FFF2-40B4-BE49-F238E27FC236}">
+                <a16:creationId xmlns:a16="http://schemas.microsoft.com/office/drawing/2014/main" id="{4943C18A-FE26-EC14-BBD1-DC26F3CDD914}"/>
+              </a:ext>
+            </a:extLst>
+          </p:cNvPr>
+          <p:cNvSpPr/>
+          <p:nvPr/>
+        </p:nvSpPr>
+        <p:spPr>
+          <a:xfrm>
+            <a:off x="429491" y="702324"/>
+            <a:ext cx="69273" cy="651164"/>
+          </a:xfrm>
+          <a:prstGeom prst="rect">
+            <a:avLst/>
+          </a:prstGeom>
+          <a:ln>
+            <a:noFill/>
+          </a:ln>
+        </p:spPr>
+        <p:style>
+          <a:lnRef idx="2">
+            <a:schemeClr val="accent1">
+              <a:shade val="50000"/>
+            </a:schemeClr>
+          </a:lnRef>
+          <a:fillRef idx="1">
+            <a:schemeClr val="accent1"/>
+          </a:fillRef>
+          <a:effectRef idx="0">
+            <a:schemeClr val="accent1"/>
+          </a:effectRef>
+          <a:fontRef idx="minor">
+            <a:schemeClr val="lt1"/>
+          </a:fontRef>
+        </p:style>
+        <p:txBody>
+          <a:bodyPr rtlCol="0" anchor="ctr"/>
+          <a:lstStyle/>
+          <a:p>
+            <a:pPr algn="ctr"/>
+            <a:endParaRPr kumimoji="1" lang="zh-TW" altLang="en-US"/>
+          </a:p>
+        </p:txBody>
+      </p:sp>
     </p:spTree>
     <p:extLst>
       <p:ext uri="{BB962C8B-B14F-4D97-AF65-F5344CB8AC3E}">
@@ -5434,6 +5826,55 @@
           </a:p>
         </p:txBody>
       </p:sp>
+      <p:sp>
+        <p:nvSpPr>
+          <p:cNvPr id="4" name="矩形 3">
+            <a:extLst>
+              <a:ext uri="{FF2B5EF4-FFF2-40B4-BE49-F238E27FC236}">
+                <a16:creationId xmlns:a16="http://schemas.microsoft.com/office/drawing/2014/main" id="{7FF0C124-CCA0-EE60-EDD3-8E86E0C5EF44}"/>
+              </a:ext>
+            </a:extLst>
+          </p:cNvPr>
+          <p:cNvSpPr/>
+          <p:nvPr/>
+        </p:nvSpPr>
+        <p:spPr>
+          <a:xfrm>
+            <a:off x="429491" y="702324"/>
+            <a:ext cx="69273" cy="651164"/>
+          </a:xfrm>
+          <a:prstGeom prst="rect">
+            <a:avLst/>
+          </a:prstGeom>
+          <a:ln>
+            <a:noFill/>
+          </a:ln>
+        </p:spPr>
+        <p:style>
+          <a:lnRef idx="2">
+            <a:schemeClr val="accent1">
+              <a:shade val="50000"/>
+            </a:schemeClr>
+          </a:lnRef>
+          <a:fillRef idx="1">
+            <a:schemeClr val="accent1"/>
+          </a:fillRef>
+          <a:effectRef idx="0">
+            <a:schemeClr val="accent1"/>
+          </a:effectRef>
+          <a:fontRef idx="minor">
+            <a:schemeClr val="lt1"/>
+          </a:fontRef>
+        </p:style>
+        <p:txBody>
+          <a:bodyPr rtlCol="0" anchor="ctr"/>
+          <a:lstStyle/>
+          <a:p>
+            <a:pPr algn="ctr"/>
+            <a:endParaRPr kumimoji="1" lang="zh-TW" altLang="en-US"/>
+          </a:p>
+        </p:txBody>
+      </p:sp>
     </p:spTree>
     <p:extLst>
       <p:ext uri="{BB962C8B-B14F-4D97-AF65-F5344CB8AC3E}">
@@ -5525,6 +5966,55 @@
           </a:prstGeom>
         </p:spPr>
       </p:pic>
+      <p:sp>
+        <p:nvSpPr>
+          <p:cNvPr id="3" name="矩形 2">
+            <a:extLst>
+              <a:ext uri="{FF2B5EF4-FFF2-40B4-BE49-F238E27FC236}">
+                <a16:creationId xmlns:a16="http://schemas.microsoft.com/office/drawing/2014/main" id="{D3A6C86B-70A0-F76B-5570-CB196A7150D9}"/>
+              </a:ext>
+            </a:extLst>
+          </p:cNvPr>
+          <p:cNvSpPr/>
+          <p:nvPr/>
+        </p:nvSpPr>
+        <p:spPr>
+          <a:xfrm>
+            <a:off x="429491" y="702324"/>
+            <a:ext cx="69273" cy="651164"/>
+          </a:xfrm>
+          <a:prstGeom prst="rect">
+            <a:avLst/>
+          </a:prstGeom>
+          <a:ln>
+            <a:noFill/>
+          </a:ln>
+        </p:spPr>
+        <p:style>
+          <a:lnRef idx="2">
+            <a:schemeClr val="accent1">
+              <a:shade val="50000"/>
+            </a:schemeClr>
+          </a:lnRef>
+          <a:fillRef idx="1">
+            <a:schemeClr val="accent1"/>
+          </a:fillRef>
+          <a:effectRef idx="0">
+            <a:schemeClr val="accent1"/>
+          </a:effectRef>
+          <a:fontRef idx="minor">
+            <a:schemeClr val="lt1"/>
+          </a:fontRef>
+        </p:style>
+        <p:txBody>
+          <a:bodyPr rtlCol="0" anchor="ctr"/>
+          <a:lstStyle/>
+          <a:p>
+            <a:pPr algn="ctr"/>
+            <a:endParaRPr kumimoji="1" lang="zh-TW" altLang="en-US"/>
+          </a:p>
+        </p:txBody>
+      </p:sp>
     </p:spTree>
     <p:extLst>
       <p:ext uri="{BB962C8B-B14F-4D97-AF65-F5344CB8AC3E}">
@@ -5681,6 +6171,55 @@
           </a:p>
         </p:txBody>
       </p:sp>
+      <p:sp>
+        <p:nvSpPr>
+          <p:cNvPr id="7" name="矩形 6">
+            <a:extLst>
+              <a:ext uri="{FF2B5EF4-FFF2-40B4-BE49-F238E27FC236}">
+                <a16:creationId xmlns:a16="http://schemas.microsoft.com/office/drawing/2014/main" id="{2433862D-04CA-4402-E0EF-167660503FE0}"/>
+              </a:ext>
+            </a:extLst>
+          </p:cNvPr>
+          <p:cNvSpPr/>
+          <p:nvPr/>
+        </p:nvSpPr>
+        <p:spPr>
+          <a:xfrm>
+            <a:off x="429491" y="702324"/>
+            <a:ext cx="69273" cy="651164"/>
+          </a:xfrm>
+          <a:prstGeom prst="rect">
+            <a:avLst/>
+          </a:prstGeom>
+          <a:ln>
+            <a:noFill/>
+          </a:ln>
+        </p:spPr>
+        <p:style>
+          <a:lnRef idx="2">
+            <a:schemeClr val="accent1">
+              <a:shade val="50000"/>
+            </a:schemeClr>
+          </a:lnRef>
+          <a:fillRef idx="1">
+            <a:schemeClr val="accent1"/>
+          </a:fillRef>
+          <a:effectRef idx="0">
+            <a:schemeClr val="accent1"/>
+          </a:effectRef>
+          <a:fontRef idx="minor">
+            <a:schemeClr val="lt1"/>
+          </a:fontRef>
+        </p:style>
+        <p:txBody>
+          <a:bodyPr rtlCol="0" anchor="ctr"/>
+          <a:lstStyle/>
+          <a:p>
+            <a:pPr algn="ctr"/>
+            <a:endParaRPr kumimoji="1" lang="zh-TW" altLang="en-US"/>
+          </a:p>
+        </p:txBody>
+      </p:sp>
     </p:spTree>
     <p:extLst>
       <p:ext uri="{BB962C8B-B14F-4D97-AF65-F5344CB8AC3E}">
@@ -5876,6 +6415,55 @@
           </a:p>
         </p:txBody>
       </p:sp>
+      <p:sp>
+        <p:nvSpPr>
+          <p:cNvPr id="4" name="矩形 3">
+            <a:extLst>
+              <a:ext uri="{FF2B5EF4-FFF2-40B4-BE49-F238E27FC236}">
+                <a16:creationId xmlns:a16="http://schemas.microsoft.com/office/drawing/2014/main" id="{C4B98F49-94E5-689A-46EE-1CC48A7EBD99}"/>
+              </a:ext>
+            </a:extLst>
+          </p:cNvPr>
+          <p:cNvSpPr/>
+          <p:nvPr/>
+        </p:nvSpPr>
+        <p:spPr>
+          <a:xfrm>
+            <a:off x="429491" y="702324"/>
+            <a:ext cx="69273" cy="651164"/>
+          </a:xfrm>
+          <a:prstGeom prst="rect">
+            <a:avLst/>
+          </a:prstGeom>
+          <a:ln>
+            <a:noFill/>
+          </a:ln>
+        </p:spPr>
+        <p:style>
+          <a:lnRef idx="2">
+            <a:schemeClr val="accent1">
+              <a:shade val="50000"/>
+            </a:schemeClr>
+          </a:lnRef>
+          <a:fillRef idx="1">
+            <a:schemeClr val="accent1"/>
+          </a:fillRef>
+          <a:effectRef idx="0">
+            <a:schemeClr val="accent1"/>
+          </a:effectRef>
+          <a:fontRef idx="minor">
+            <a:schemeClr val="lt1"/>
+          </a:fontRef>
+        </p:style>
+        <p:txBody>
+          <a:bodyPr rtlCol="0" anchor="ctr"/>
+          <a:lstStyle/>
+          <a:p>
+            <a:pPr algn="ctr"/>
+            <a:endParaRPr kumimoji="1" lang="zh-TW" altLang="en-US"/>
+          </a:p>
+        </p:txBody>
+      </p:sp>
     </p:spTree>
     <p:extLst>
       <p:ext uri="{BB962C8B-B14F-4D97-AF65-F5344CB8AC3E}">
@@ -6274,6 +6862,55 @@
           </a:p>
         </p:txBody>
       </p:sp>
+      <p:sp>
+        <p:nvSpPr>
+          <p:cNvPr id="12" name="矩形 11">
+            <a:extLst>
+              <a:ext uri="{FF2B5EF4-FFF2-40B4-BE49-F238E27FC236}">
+                <a16:creationId xmlns:a16="http://schemas.microsoft.com/office/drawing/2014/main" id="{D7816A90-F636-6EEE-EE16-A21DC5ECD88D}"/>
+              </a:ext>
+            </a:extLst>
+          </p:cNvPr>
+          <p:cNvSpPr/>
+          <p:nvPr/>
+        </p:nvSpPr>
+        <p:spPr>
+          <a:xfrm>
+            <a:off x="429491" y="702324"/>
+            <a:ext cx="69273" cy="651164"/>
+          </a:xfrm>
+          <a:prstGeom prst="rect">
+            <a:avLst/>
+          </a:prstGeom>
+          <a:ln>
+            <a:noFill/>
+          </a:ln>
+        </p:spPr>
+        <p:style>
+          <a:lnRef idx="2">
+            <a:schemeClr val="accent1">
+              <a:shade val="50000"/>
+            </a:schemeClr>
+          </a:lnRef>
+          <a:fillRef idx="1">
+            <a:schemeClr val="accent1"/>
+          </a:fillRef>
+          <a:effectRef idx="0">
+            <a:schemeClr val="accent1"/>
+          </a:effectRef>
+          <a:fontRef idx="minor">
+            <a:schemeClr val="lt1"/>
+          </a:fontRef>
+        </p:style>
+        <p:txBody>
+          <a:bodyPr rtlCol="0" anchor="ctr"/>
+          <a:lstStyle/>
+          <a:p>
+            <a:pPr algn="ctr"/>
+            <a:endParaRPr kumimoji="1" lang="zh-TW" altLang="en-US"/>
+          </a:p>
+        </p:txBody>
+      </p:sp>
     </p:spTree>
     <p:extLst>
       <p:ext uri="{BB962C8B-B14F-4D97-AF65-F5344CB8AC3E}">
@@ -6364,6 +7001,55 @@
           </a:xfrm>
         </p:spPr>
       </p:pic>
+      <p:sp>
+        <p:nvSpPr>
+          <p:cNvPr id="3" name="矩形 2">
+            <a:extLst>
+              <a:ext uri="{FF2B5EF4-FFF2-40B4-BE49-F238E27FC236}">
+                <a16:creationId xmlns:a16="http://schemas.microsoft.com/office/drawing/2014/main" id="{28BF0929-2DB2-641A-0DF4-8B43710646B4}"/>
+              </a:ext>
+            </a:extLst>
+          </p:cNvPr>
+          <p:cNvSpPr/>
+          <p:nvPr/>
+        </p:nvSpPr>
+        <p:spPr>
+          <a:xfrm>
+            <a:off x="429491" y="702324"/>
+            <a:ext cx="69273" cy="651164"/>
+          </a:xfrm>
+          <a:prstGeom prst="rect">
+            <a:avLst/>
+          </a:prstGeom>
+          <a:ln>
+            <a:noFill/>
+          </a:ln>
+        </p:spPr>
+        <p:style>
+          <a:lnRef idx="2">
+            <a:schemeClr val="accent1">
+              <a:shade val="50000"/>
+            </a:schemeClr>
+          </a:lnRef>
+          <a:fillRef idx="1">
+            <a:schemeClr val="accent1"/>
+          </a:fillRef>
+          <a:effectRef idx="0">
+            <a:schemeClr val="accent1"/>
+          </a:effectRef>
+          <a:fontRef idx="minor">
+            <a:schemeClr val="lt1"/>
+          </a:fontRef>
+        </p:style>
+        <p:txBody>
+          <a:bodyPr rtlCol="0" anchor="ctr"/>
+          <a:lstStyle/>
+          <a:p>
+            <a:pPr algn="ctr"/>
+            <a:endParaRPr kumimoji="1" lang="zh-TW" altLang="en-US"/>
+          </a:p>
+        </p:txBody>
+      </p:sp>
     </p:spTree>
     <p:extLst>
       <p:ext uri="{BB962C8B-B14F-4D97-AF65-F5344CB8AC3E}">
@@ -6771,6 +7457,55 @@
           </a:p>
         </p:txBody>
       </p:sp>
+      <p:sp>
+        <p:nvSpPr>
+          <p:cNvPr id="4" name="矩形 3">
+            <a:extLst>
+              <a:ext uri="{FF2B5EF4-FFF2-40B4-BE49-F238E27FC236}">
+                <a16:creationId xmlns:a16="http://schemas.microsoft.com/office/drawing/2014/main" id="{56E73D3F-AD00-F35F-504B-51A10E98124E}"/>
+              </a:ext>
+            </a:extLst>
+          </p:cNvPr>
+          <p:cNvSpPr/>
+          <p:nvPr/>
+        </p:nvSpPr>
+        <p:spPr>
+          <a:xfrm>
+            <a:off x="429491" y="702324"/>
+            <a:ext cx="69273" cy="651164"/>
+          </a:xfrm>
+          <a:prstGeom prst="rect">
+            <a:avLst/>
+          </a:prstGeom>
+          <a:ln>
+            <a:noFill/>
+          </a:ln>
+        </p:spPr>
+        <p:style>
+          <a:lnRef idx="2">
+            <a:schemeClr val="accent1">
+              <a:shade val="50000"/>
+            </a:schemeClr>
+          </a:lnRef>
+          <a:fillRef idx="1">
+            <a:schemeClr val="accent1"/>
+          </a:fillRef>
+          <a:effectRef idx="0">
+            <a:schemeClr val="accent1"/>
+          </a:effectRef>
+          <a:fontRef idx="minor">
+            <a:schemeClr val="lt1"/>
+          </a:fontRef>
+        </p:style>
+        <p:txBody>
+          <a:bodyPr rtlCol="0" anchor="ctr"/>
+          <a:lstStyle/>
+          <a:p>
+            <a:pPr algn="ctr"/>
+            <a:endParaRPr kumimoji="1" lang="zh-TW" altLang="en-US"/>
+          </a:p>
+        </p:txBody>
+      </p:sp>
     </p:spTree>
     <p:extLst>
       <p:ext uri="{BB962C8B-B14F-4D97-AF65-F5344CB8AC3E}">
@@ -6922,6 +7657,55 @@
           </a:p>
         </p:txBody>
       </p:sp>
+      <p:sp>
+        <p:nvSpPr>
+          <p:cNvPr id="4" name="矩形 3">
+            <a:extLst>
+              <a:ext uri="{FF2B5EF4-FFF2-40B4-BE49-F238E27FC236}">
+                <a16:creationId xmlns:a16="http://schemas.microsoft.com/office/drawing/2014/main" id="{FDE613A8-2D68-3D1B-56D1-49696F2979DC}"/>
+              </a:ext>
+            </a:extLst>
+          </p:cNvPr>
+          <p:cNvSpPr/>
+          <p:nvPr/>
+        </p:nvSpPr>
+        <p:spPr>
+          <a:xfrm>
+            <a:off x="429491" y="702324"/>
+            <a:ext cx="69273" cy="651164"/>
+          </a:xfrm>
+          <a:prstGeom prst="rect">
+            <a:avLst/>
+          </a:prstGeom>
+          <a:ln>
+            <a:noFill/>
+          </a:ln>
+        </p:spPr>
+        <p:style>
+          <a:lnRef idx="2">
+            <a:schemeClr val="accent1">
+              <a:shade val="50000"/>
+            </a:schemeClr>
+          </a:lnRef>
+          <a:fillRef idx="1">
+            <a:schemeClr val="accent1"/>
+          </a:fillRef>
+          <a:effectRef idx="0">
+            <a:schemeClr val="accent1"/>
+          </a:effectRef>
+          <a:fontRef idx="minor">
+            <a:schemeClr val="lt1"/>
+          </a:fontRef>
+        </p:style>
+        <p:txBody>
+          <a:bodyPr rtlCol="0" anchor="ctr"/>
+          <a:lstStyle/>
+          <a:p>
+            <a:pPr algn="ctr"/>
+            <a:endParaRPr kumimoji="1" lang="zh-TW" altLang="en-US"/>
+          </a:p>
+        </p:txBody>
+      </p:sp>
     </p:spTree>
     <p:extLst>
       <p:ext uri="{BB962C8B-B14F-4D97-AF65-F5344CB8AC3E}">
@@ -7076,6 +7860,55 @@
           </a:p>
         </p:txBody>
       </p:sp>
+      <p:sp>
+        <p:nvSpPr>
+          <p:cNvPr id="4" name="矩形 3">
+            <a:extLst>
+              <a:ext uri="{FF2B5EF4-FFF2-40B4-BE49-F238E27FC236}">
+                <a16:creationId xmlns:a16="http://schemas.microsoft.com/office/drawing/2014/main" id="{17EE9A03-D786-317D-F3C4-89AD53A976B2}"/>
+              </a:ext>
+            </a:extLst>
+          </p:cNvPr>
+          <p:cNvSpPr/>
+          <p:nvPr/>
+        </p:nvSpPr>
+        <p:spPr>
+          <a:xfrm>
+            <a:off x="429491" y="702324"/>
+            <a:ext cx="69273" cy="651164"/>
+          </a:xfrm>
+          <a:prstGeom prst="rect">
+            <a:avLst/>
+          </a:prstGeom>
+          <a:ln>
+            <a:noFill/>
+          </a:ln>
+        </p:spPr>
+        <p:style>
+          <a:lnRef idx="2">
+            <a:schemeClr val="accent1">
+              <a:shade val="50000"/>
+            </a:schemeClr>
+          </a:lnRef>
+          <a:fillRef idx="1">
+            <a:schemeClr val="accent1"/>
+          </a:fillRef>
+          <a:effectRef idx="0">
+            <a:schemeClr val="accent1"/>
+          </a:effectRef>
+          <a:fontRef idx="minor">
+            <a:schemeClr val="lt1"/>
+          </a:fontRef>
+        </p:style>
+        <p:txBody>
+          <a:bodyPr rtlCol="0" anchor="ctr"/>
+          <a:lstStyle/>
+          <a:p>
+            <a:pPr algn="ctr"/>
+            <a:endParaRPr kumimoji="1" lang="zh-TW" altLang="en-US"/>
+          </a:p>
+        </p:txBody>
+      </p:sp>
     </p:spTree>
     <p:extLst>
       <p:ext uri="{BB962C8B-B14F-4D97-AF65-F5344CB8AC3E}">
@@ -7285,6 +8118,55 @@
               <a:latin typeface="BiauKai" panose="02010601000101010101" pitchFamily="2" charset="-120"/>
               <a:ea typeface="BiauKai" panose="02010601000101010101" pitchFamily="2" charset="-120"/>
             </a:endParaRPr>
+          </a:p>
+        </p:txBody>
+      </p:sp>
+      <p:sp>
+        <p:nvSpPr>
+          <p:cNvPr id="4" name="矩形 3">
+            <a:extLst>
+              <a:ext uri="{FF2B5EF4-FFF2-40B4-BE49-F238E27FC236}">
+                <a16:creationId xmlns:a16="http://schemas.microsoft.com/office/drawing/2014/main" id="{9D5EDE5C-0CDE-0B72-55BF-46D2AD47A29E}"/>
+              </a:ext>
+            </a:extLst>
+          </p:cNvPr>
+          <p:cNvSpPr/>
+          <p:nvPr/>
+        </p:nvSpPr>
+        <p:spPr>
+          <a:xfrm>
+            <a:off x="429491" y="702324"/>
+            <a:ext cx="69273" cy="651164"/>
+          </a:xfrm>
+          <a:prstGeom prst="rect">
+            <a:avLst/>
+          </a:prstGeom>
+          <a:ln>
+            <a:noFill/>
+          </a:ln>
+        </p:spPr>
+        <p:style>
+          <a:lnRef idx="2">
+            <a:schemeClr val="accent1">
+              <a:shade val="50000"/>
+            </a:schemeClr>
+          </a:lnRef>
+          <a:fillRef idx="1">
+            <a:schemeClr val="accent1"/>
+          </a:fillRef>
+          <a:effectRef idx="0">
+            <a:schemeClr val="accent1"/>
+          </a:effectRef>
+          <a:fontRef idx="minor">
+            <a:schemeClr val="lt1"/>
+          </a:fontRef>
+        </p:style>
+        <p:txBody>
+          <a:bodyPr rtlCol="0" anchor="ctr"/>
+          <a:lstStyle/>
+          <a:p>
+            <a:pPr algn="ctr"/>
+            <a:endParaRPr kumimoji="1" lang="zh-TW" altLang="en-US"/>
           </a:p>
         </p:txBody>
       </p:sp>
